--- a/mysql/Cours_MySQL.pptx
+++ b/mysql/Cours_MySQL.pptx
@@ -42,11 +42,6 @@
     <p:sldId id="287" r:id="rId36"/>
     <p:sldId id="288" r:id="rId37"/>
     <p:sldId id="289" r:id="rId38"/>
-    <p:sldId id="290" r:id="rId39"/>
-    <p:sldId id="291" r:id="rId40"/>
-    <p:sldId id="292" r:id="rId41"/>
-    <p:sldId id="293" r:id="rId42"/>
-    <p:sldId id="294" r:id="rId43"/>
   </p:sldIdLst>
   <p:sldSz cy="6858000" cx="9144000"/>
   <p:notesSz cx="6858000" cy="9144000"/>
@@ -1002,7 +997,7 @@
         <p:spPr>
           <a:xfrm>
             <a:off x="1143225" y="685800"/>
-            <a:ext cx="4572299" cy="3429000"/>
+            <a:ext cx="4572300" cy="3429000"/>
           </a:xfrm>
           <a:custGeom>
             <a:pathLst>
@@ -1036,7 +1031,7 @@
         <p:spPr>
           <a:xfrm>
             <a:off x="685800" y="4343400"/>
-            <a:ext cx="5486399" cy="4114800"/>
+            <a:ext cx="5486400" cy="4114800"/>
           </a:xfrm>
           <a:prstGeom prst="rect">
             <a:avLst/>
@@ -1097,7 +1092,7 @@
         <p:spPr>
           <a:xfrm>
             <a:off x="1143225" y="685800"/>
-            <a:ext cx="4572299" cy="3429000"/>
+            <a:ext cx="4572300" cy="3429000"/>
           </a:xfrm>
           <a:custGeom>
             <a:pathLst>
@@ -1131,7 +1126,7 @@
         <p:spPr>
           <a:xfrm>
             <a:off x="685800" y="4343400"/>
-            <a:ext cx="5486399" cy="4114800"/>
+            <a:ext cx="5486400" cy="4114800"/>
           </a:xfrm>
           <a:prstGeom prst="rect">
             <a:avLst/>
@@ -1143,7 +1138,7 @@
           </a:bodyPr>
           <a:lstStyle/>
           <a:p>
-            <a:pPr lvl="0">
+            <a:pPr lvl="0" rtl="0">
               <a:spcBef>
                 <a:spcPts val="0"/>
               </a:spcBef>
@@ -1238,7 +1233,7 @@
           </a:bodyPr>
           <a:lstStyle/>
           <a:p>
-            <a:pPr lvl="0">
+            <a:pPr lvl="0" rtl="0">
               <a:spcBef>
                 <a:spcPts val="0"/>
               </a:spcBef>
@@ -1428,7 +1423,7 @@
           </a:bodyPr>
           <a:lstStyle/>
           <a:p>
-            <a:pPr lvl="0">
+            <a:pPr lvl="0" rtl="0">
               <a:spcBef>
                 <a:spcPts val="0"/>
               </a:spcBef>
@@ -1808,7 +1803,7 @@
           </a:bodyPr>
           <a:lstStyle/>
           <a:p>
-            <a:pPr lvl="0" rtl="0">
+            <a:pPr lvl="0">
               <a:spcBef>
                 <a:spcPts val="0"/>
               </a:spcBef>
@@ -1998,7 +1993,7 @@
           </a:bodyPr>
           <a:lstStyle/>
           <a:p>
-            <a:pPr lvl="0" rtl="0">
+            <a:pPr lvl="0">
               <a:spcBef>
                 <a:spcPts val="0"/>
               </a:spcBef>
@@ -2093,7 +2088,7 @@
           </a:bodyPr>
           <a:lstStyle/>
           <a:p>
-            <a:pPr lvl="0">
+            <a:pPr lvl="0" rtl="0">
               <a:spcBef>
                 <a:spcPts val="0"/>
               </a:spcBef>
@@ -2663,7 +2658,7 @@
           </a:bodyPr>
           <a:lstStyle/>
           <a:p>
-            <a:pPr lvl="0" rtl="0">
+            <a:pPr lvl="0">
               <a:spcBef>
                 <a:spcPts val="0"/>
               </a:spcBef>
@@ -3023,481 +3018,6 @@
       <p:sp>
         <p:nvSpPr>
           <p:cNvPr id="245" name="Shape 245"/>
-          <p:cNvSpPr txBox="1"/>
-          <p:nvPr>
-            <p:ph idx="1" type="body"/>
-          </p:nvPr>
-        </p:nvSpPr>
-        <p:spPr>
-          <a:xfrm>
-            <a:off x="685800" y="4343400"/>
-            <a:ext cx="5486399" cy="4114800"/>
-          </a:xfrm>
-          <a:prstGeom prst="rect">
-            <a:avLst/>
-          </a:prstGeom>
-        </p:spPr>
-        <p:txBody>
-          <a:bodyPr anchorCtr="0" anchor="t" bIns="91425" lIns="91425" rIns="91425" tIns="91425">
-            <a:noAutofit/>
-          </a:bodyPr>
-          <a:lstStyle/>
-          <a:p>
-            <a:pPr lvl="0">
-              <a:spcBef>
-                <a:spcPts val="0"/>
-              </a:spcBef>
-              <a:buNone/>
-            </a:pPr>
-            <a:r>
-              <a:t/>
-            </a:r>
-            <a:endParaRPr/>
-          </a:p>
-        </p:txBody>
-      </p:sp>
-    </p:spTree>
-  </p:cSld>
-  <p:clrMapOvr>
-    <a:masterClrMapping/>
-  </p:clrMapOvr>
-</p:notes>
-</file>
-
-<file path=ppt/notesSlides/notesSlide35.xml><?xml version="1.0" encoding="utf-8"?>
-<p:notes xmlns:a="http://schemas.openxmlformats.org/drawingml/2006/main" xmlns:r="http://schemas.openxmlformats.org/officeDocument/2006/relationships" xmlns:mc="http://schemas.openxmlformats.org/markup-compatibility/2006" xmlns:mv="urn:schemas-microsoft-com:mac:vml" xmlns:p="http://schemas.openxmlformats.org/presentationml/2006/main" xmlns:c="http://schemas.openxmlformats.org/drawingml/2006/chart" xmlns:dgm="http://schemas.openxmlformats.org/drawingml/2006/diagram" xmlns:o="urn:schemas-microsoft-com:office:office" xmlns:v="urn:schemas-microsoft-com:vml" xmlns:pvml="urn:schemas-microsoft-com:office:powerpoint" xmlns:com="http://schemas.openxmlformats.org/drawingml/2006/compatibility" xmlns:p14="http://schemas.microsoft.com/office/powerpoint/2010/main" showMasterPhAnim="0" showMasterSp="0">
-  <p:cSld>
-    <p:spTree>
-      <p:nvGrpSpPr>
-        <p:cNvPr id="249" name="Shape 249"/>
-        <p:cNvGrpSpPr/>
-        <p:nvPr/>
-      </p:nvGrpSpPr>
-      <p:grpSpPr>
-        <a:xfrm>
-          <a:off x="0" y="0"/>
-          <a:ext cx="0" cy="0"/>
-          <a:chOff x="0" y="0"/>
-          <a:chExt cx="0" cy="0"/>
-        </a:xfrm>
-      </p:grpSpPr>
-      <p:sp>
-        <p:nvSpPr>
-          <p:cNvPr id="250" name="Shape 250"/>
-          <p:cNvSpPr/>
-          <p:nvPr>
-            <p:ph idx="2" type="sldImg"/>
-          </p:nvPr>
-        </p:nvSpPr>
-        <p:spPr>
-          <a:xfrm>
-            <a:off x="1143225" y="685800"/>
-            <a:ext cx="4572299" cy="3429000"/>
-          </a:xfrm>
-          <a:custGeom>
-            <a:pathLst>
-              <a:path extrusionOk="0" h="120000" w="120000">
-                <a:moveTo>
-                  <a:pt x="0" y="0"/>
-                </a:moveTo>
-                <a:lnTo>
-                  <a:pt x="120000" y="0"/>
-                </a:lnTo>
-                <a:lnTo>
-                  <a:pt x="120000" y="120000"/>
-                </a:lnTo>
-                <a:lnTo>
-                  <a:pt x="0" y="120000"/>
-                </a:lnTo>
-                <a:close/>
-              </a:path>
-            </a:pathLst>
-          </a:custGeom>
-        </p:spPr>
-      </p:sp>
-      <p:sp>
-        <p:nvSpPr>
-          <p:cNvPr id="251" name="Shape 251"/>
-          <p:cNvSpPr txBox="1"/>
-          <p:nvPr>
-            <p:ph idx="1" type="body"/>
-          </p:nvPr>
-        </p:nvSpPr>
-        <p:spPr>
-          <a:xfrm>
-            <a:off x="685800" y="4343400"/>
-            <a:ext cx="5486399" cy="4114800"/>
-          </a:xfrm>
-          <a:prstGeom prst="rect">
-            <a:avLst/>
-          </a:prstGeom>
-        </p:spPr>
-        <p:txBody>
-          <a:bodyPr anchorCtr="0" anchor="t" bIns="91425" lIns="91425" rIns="91425" tIns="91425">
-            <a:noAutofit/>
-          </a:bodyPr>
-          <a:lstStyle/>
-          <a:p>
-            <a:pPr lvl="0">
-              <a:spcBef>
-                <a:spcPts val="0"/>
-              </a:spcBef>
-              <a:buNone/>
-            </a:pPr>
-            <a:r>
-              <a:t/>
-            </a:r>
-            <a:endParaRPr/>
-          </a:p>
-        </p:txBody>
-      </p:sp>
-    </p:spTree>
-  </p:cSld>
-  <p:clrMapOvr>
-    <a:masterClrMapping/>
-  </p:clrMapOvr>
-</p:notes>
-</file>
-
-<file path=ppt/notesSlides/notesSlide36.xml><?xml version="1.0" encoding="utf-8"?>
-<p:notes xmlns:a="http://schemas.openxmlformats.org/drawingml/2006/main" xmlns:r="http://schemas.openxmlformats.org/officeDocument/2006/relationships" xmlns:mc="http://schemas.openxmlformats.org/markup-compatibility/2006" xmlns:mv="urn:schemas-microsoft-com:mac:vml" xmlns:p="http://schemas.openxmlformats.org/presentationml/2006/main" xmlns:c="http://schemas.openxmlformats.org/drawingml/2006/chart" xmlns:dgm="http://schemas.openxmlformats.org/drawingml/2006/diagram" xmlns:o="urn:schemas-microsoft-com:office:office" xmlns:v="urn:schemas-microsoft-com:vml" xmlns:pvml="urn:schemas-microsoft-com:office:powerpoint" xmlns:com="http://schemas.openxmlformats.org/drawingml/2006/compatibility" xmlns:p14="http://schemas.microsoft.com/office/powerpoint/2010/main" showMasterPhAnim="0" showMasterSp="0">
-  <p:cSld>
-    <p:spTree>
-      <p:nvGrpSpPr>
-        <p:cNvPr id="255" name="Shape 255"/>
-        <p:cNvGrpSpPr/>
-        <p:nvPr/>
-      </p:nvGrpSpPr>
-      <p:grpSpPr>
-        <a:xfrm>
-          <a:off x="0" y="0"/>
-          <a:ext cx="0" cy="0"/>
-          <a:chOff x="0" y="0"/>
-          <a:chExt cx="0" cy="0"/>
-        </a:xfrm>
-      </p:grpSpPr>
-      <p:sp>
-        <p:nvSpPr>
-          <p:cNvPr id="256" name="Shape 256"/>
-          <p:cNvSpPr/>
-          <p:nvPr>
-            <p:ph idx="2" type="sldImg"/>
-          </p:nvPr>
-        </p:nvSpPr>
-        <p:spPr>
-          <a:xfrm>
-            <a:off x="1143225" y="685800"/>
-            <a:ext cx="4572299" cy="3429000"/>
-          </a:xfrm>
-          <a:custGeom>
-            <a:pathLst>
-              <a:path extrusionOk="0" h="120000" w="120000">
-                <a:moveTo>
-                  <a:pt x="0" y="0"/>
-                </a:moveTo>
-                <a:lnTo>
-                  <a:pt x="120000" y="0"/>
-                </a:lnTo>
-                <a:lnTo>
-                  <a:pt x="120000" y="120000"/>
-                </a:lnTo>
-                <a:lnTo>
-                  <a:pt x="0" y="120000"/>
-                </a:lnTo>
-                <a:close/>
-              </a:path>
-            </a:pathLst>
-          </a:custGeom>
-        </p:spPr>
-      </p:sp>
-      <p:sp>
-        <p:nvSpPr>
-          <p:cNvPr id="257" name="Shape 257"/>
-          <p:cNvSpPr txBox="1"/>
-          <p:nvPr>
-            <p:ph idx="1" type="body"/>
-          </p:nvPr>
-        </p:nvSpPr>
-        <p:spPr>
-          <a:xfrm>
-            <a:off x="685800" y="4343400"/>
-            <a:ext cx="5486399" cy="4114800"/>
-          </a:xfrm>
-          <a:prstGeom prst="rect">
-            <a:avLst/>
-          </a:prstGeom>
-        </p:spPr>
-        <p:txBody>
-          <a:bodyPr anchorCtr="0" anchor="t" bIns="91425" lIns="91425" rIns="91425" tIns="91425">
-            <a:noAutofit/>
-          </a:bodyPr>
-          <a:lstStyle/>
-          <a:p>
-            <a:pPr lvl="0">
-              <a:spcBef>
-                <a:spcPts val="0"/>
-              </a:spcBef>
-              <a:buNone/>
-            </a:pPr>
-            <a:r>
-              <a:t/>
-            </a:r>
-            <a:endParaRPr/>
-          </a:p>
-        </p:txBody>
-      </p:sp>
-    </p:spTree>
-  </p:cSld>
-  <p:clrMapOvr>
-    <a:masterClrMapping/>
-  </p:clrMapOvr>
-</p:notes>
-</file>
-
-<file path=ppt/notesSlides/notesSlide37.xml><?xml version="1.0" encoding="utf-8"?>
-<p:notes xmlns:a="http://schemas.openxmlformats.org/drawingml/2006/main" xmlns:r="http://schemas.openxmlformats.org/officeDocument/2006/relationships" xmlns:mc="http://schemas.openxmlformats.org/markup-compatibility/2006" xmlns:mv="urn:schemas-microsoft-com:mac:vml" xmlns:p="http://schemas.openxmlformats.org/presentationml/2006/main" xmlns:c="http://schemas.openxmlformats.org/drawingml/2006/chart" xmlns:dgm="http://schemas.openxmlformats.org/drawingml/2006/diagram" xmlns:o="urn:schemas-microsoft-com:office:office" xmlns:v="urn:schemas-microsoft-com:vml" xmlns:pvml="urn:schemas-microsoft-com:office:powerpoint" xmlns:com="http://schemas.openxmlformats.org/drawingml/2006/compatibility" xmlns:p14="http://schemas.microsoft.com/office/powerpoint/2010/main" showMasterPhAnim="0" showMasterSp="0">
-  <p:cSld>
-    <p:spTree>
-      <p:nvGrpSpPr>
-        <p:cNvPr id="261" name="Shape 261"/>
-        <p:cNvGrpSpPr/>
-        <p:nvPr/>
-      </p:nvGrpSpPr>
-      <p:grpSpPr>
-        <a:xfrm>
-          <a:off x="0" y="0"/>
-          <a:ext cx="0" cy="0"/>
-          <a:chOff x="0" y="0"/>
-          <a:chExt cx="0" cy="0"/>
-        </a:xfrm>
-      </p:grpSpPr>
-      <p:sp>
-        <p:nvSpPr>
-          <p:cNvPr id="262" name="Shape 262"/>
-          <p:cNvSpPr/>
-          <p:nvPr>
-            <p:ph idx="2" type="sldImg"/>
-          </p:nvPr>
-        </p:nvSpPr>
-        <p:spPr>
-          <a:xfrm>
-            <a:off x="1143225" y="685800"/>
-            <a:ext cx="4572299" cy="3429000"/>
-          </a:xfrm>
-          <a:custGeom>
-            <a:pathLst>
-              <a:path extrusionOk="0" h="120000" w="120000">
-                <a:moveTo>
-                  <a:pt x="0" y="0"/>
-                </a:moveTo>
-                <a:lnTo>
-                  <a:pt x="120000" y="0"/>
-                </a:lnTo>
-                <a:lnTo>
-                  <a:pt x="120000" y="120000"/>
-                </a:lnTo>
-                <a:lnTo>
-                  <a:pt x="0" y="120000"/>
-                </a:lnTo>
-                <a:close/>
-              </a:path>
-            </a:pathLst>
-          </a:custGeom>
-        </p:spPr>
-      </p:sp>
-      <p:sp>
-        <p:nvSpPr>
-          <p:cNvPr id="263" name="Shape 263"/>
-          <p:cNvSpPr txBox="1"/>
-          <p:nvPr>
-            <p:ph idx="1" type="body"/>
-          </p:nvPr>
-        </p:nvSpPr>
-        <p:spPr>
-          <a:xfrm>
-            <a:off x="685800" y="4343400"/>
-            <a:ext cx="5486399" cy="4114800"/>
-          </a:xfrm>
-          <a:prstGeom prst="rect">
-            <a:avLst/>
-          </a:prstGeom>
-        </p:spPr>
-        <p:txBody>
-          <a:bodyPr anchorCtr="0" anchor="t" bIns="91425" lIns="91425" rIns="91425" tIns="91425">
-            <a:noAutofit/>
-          </a:bodyPr>
-          <a:lstStyle/>
-          <a:p>
-            <a:pPr lvl="0">
-              <a:spcBef>
-                <a:spcPts val="0"/>
-              </a:spcBef>
-              <a:buNone/>
-            </a:pPr>
-            <a:r>
-              <a:t/>
-            </a:r>
-            <a:endParaRPr/>
-          </a:p>
-        </p:txBody>
-      </p:sp>
-    </p:spTree>
-  </p:cSld>
-  <p:clrMapOvr>
-    <a:masterClrMapping/>
-  </p:clrMapOvr>
-</p:notes>
-</file>
-
-<file path=ppt/notesSlides/notesSlide38.xml><?xml version="1.0" encoding="utf-8"?>
-<p:notes xmlns:a="http://schemas.openxmlformats.org/drawingml/2006/main" xmlns:r="http://schemas.openxmlformats.org/officeDocument/2006/relationships" xmlns:mc="http://schemas.openxmlformats.org/markup-compatibility/2006" xmlns:mv="urn:schemas-microsoft-com:mac:vml" xmlns:p="http://schemas.openxmlformats.org/presentationml/2006/main" xmlns:c="http://schemas.openxmlformats.org/drawingml/2006/chart" xmlns:dgm="http://schemas.openxmlformats.org/drawingml/2006/diagram" xmlns:o="urn:schemas-microsoft-com:office:office" xmlns:v="urn:schemas-microsoft-com:vml" xmlns:pvml="urn:schemas-microsoft-com:office:powerpoint" xmlns:com="http://schemas.openxmlformats.org/drawingml/2006/compatibility" xmlns:p14="http://schemas.microsoft.com/office/powerpoint/2010/main" showMasterPhAnim="0" showMasterSp="0">
-  <p:cSld>
-    <p:spTree>
-      <p:nvGrpSpPr>
-        <p:cNvPr id="267" name="Shape 267"/>
-        <p:cNvGrpSpPr/>
-        <p:nvPr/>
-      </p:nvGrpSpPr>
-      <p:grpSpPr>
-        <a:xfrm>
-          <a:off x="0" y="0"/>
-          <a:ext cx="0" cy="0"/>
-          <a:chOff x="0" y="0"/>
-          <a:chExt cx="0" cy="0"/>
-        </a:xfrm>
-      </p:grpSpPr>
-      <p:sp>
-        <p:nvSpPr>
-          <p:cNvPr id="268" name="Shape 268"/>
-          <p:cNvSpPr/>
-          <p:nvPr>
-            <p:ph idx="2" type="sldImg"/>
-          </p:nvPr>
-        </p:nvSpPr>
-        <p:spPr>
-          <a:xfrm>
-            <a:off x="1143225" y="685800"/>
-            <a:ext cx="4572299" cy="3429000"/>
-          </a:xfrm>
-          <a:custGeom>
-            <a:pathLst>
-              <a:path extrusionOk="0" h="120000" w="120000">
-                <a:moveTo>
-                  <a:pt x="0" y="0"/>
-                </a:moveTo>
-                <a:lnTo>
-                  <a:pt x="120000" y="0"/>
-                </a:lnTo>
-                <a:lnTo>
-                  <a:pt x="120000" y="120000"/>
-                </a:lnTo>
-                <a:lnTo>
-                  <a:pt x="0" y="120000"/>
-                </a:lnTo>
-                <a:close/>
-              </a:path>
-            </a:pathLst>
-          </a:custGeom>
-        </p:spPr>
-      </p:sp>
-      <p:sp>
-        <p:nvSpPr>
-          <p:cNvPr id="269" name="Shape 269"/>
-          <p:cNvSpPr txBox="1"/>
-          <p:nvPr>
-            <p:ph idx="1" type="body"/>
-          </p:nvPr>
-        </p:nvSpPr>
-        <p:spPr>
-          <a:xfrm>
-            <a:off x="685800" y="4343400"/>
-            <a:ext cx="5486399" cy="4114800"/>
-          </a:xfrm>
-          <a:prstGeom prst="rect">
-            <a:avLst/>
-          </a:prstGeom>
-        </p:spPr>
-        <p:txBody>
-          <a:bodyPr anchorCtr="0" anchor="t" bIns="91425" lIns="91425" rIns="91425" tIns="91425">
-            <a:noAutofit/>
-          </a:bodyPr>
-          <a:lstStyle/>
-          <a:p>
-            <a:pPr lvl="0">
-              <a:spcBef>
-                <a:spcPts val="0"/>
-              </a:spcBef>
-              <a:buNone/>
-            </a:pPr>
-            <a:r>
-              <a:t/>
-            </a:r>
-            <a:endParaRPr/>
-          </a:p>
-        </p:txBody>
-      </p:sp>
-    </p:spTree>
-  </p:cSld>
-  <p:clrMapOvr>
-    <a:masterClrMapping/>
-  </p:clrMapOvr>
-</p:notes>
-</file>
-
-<file path=ppt/notesSlides/notesSlide39.xml><?xml version="1.0" encoding="utf-8"?>
-<p:notes xmlns:a="http://schemas.openxmlformats.org/drawingml/2006/main" xmlns:r="http://schemas.openxmlformats.org/officeDocument/2006/relationships" xmlns:mc="http://schemas.openxmlformats.org/markup-compatibility/2006" xmlns:mv="urn:schemas-microsoft-com:mac:vml" xmlns:p="http://schemas.openxmlformats.org/presentationml/2006/main" xmlns:c="http://schemas.openxmlformats.org/drawingml/2006/chart" xmlns:dgm="http://schemas.openxmlformats.org/drawingml/2006/diagram" xmlns:o="urn:schemas-microsoft-com:office:office" xmlns:v="urn:schemas-microsoft-com:vml" xmlns:pvml="urn:schemas-microsoft-com:office:powerpoint" xmlns:com="http://schemas.openxmlformats.org/drawingml/2006/compatibility" xmlns:p14="http://schemas.microsoft.com/office/powerpoint/2010/main" showMasterPhAnim="0" showMasterSp="0">
-  <p:cSld>
-    <p:spTree>
-      <p:nvGrpSpPr>
-        <p:cNvPr id="273" name="Shape 273"/>
-        <p:cNvGrpSpPr/>
-        <p:nvPr/>
-      </p:nvGrpSpPr>
-      <p:grpSpPr>
-        <a:xfrm>
-          <a:off x="0" y="0"/>
-          <a:ext cx="0" cy="0"/>
-          <a:chOff x="0" y="0"/>
-          <a:chExt cx="0" cy="0"/>
-        </a:xfrm>
-      </p:grpSpPr>
-      <p:sp>
-        <p:nvSpPr>
-          <p:cNvPr id="274" name="Shape 274"/>
-          <p:cNvSpPr/>
-          <p:nvPr>
-            <p:ph idx="2" type="sldImg"/>
-          </p:nvPr>
-        </p:nvSpPr>
-        <p:spPr>
-          <a:xfrm>
-            <a:off x="1143225" y="685800"/>
-            <a:ext cx="4572299" cy="3429000"/>
-          </a:xfrm>
-          <a:custGeom>
-            <a:pathLst>
-              <a:path extrusionOk="0" h="120000" w="120000">
-                <a:moveTo>
-                  <a:pt x="0" y="0"/>
-                </a:moveTo>
-                <a:lnTo>
-                  <a:pt x="120000" y="0"/>
-                </a:lnTo>
-                <a:lnTo>
-                  <a:pt x="120000" y="120000"/>
-                </a:lnTo>
-                <a:lnTo>
-                  <a:pt x="0" y="120000"/>
-                </a:lnTo>
-                <a:close/>
-              </a:path>
-            </a:pathLst>
-          </a:custGeom>
-        </p:spPr>
-      </p:sp>
-      <p:sp>
-        <p:nvSpPr>
-          <p:cNvPr id="275" name="Shape 275"/>
           <p:cNvSpPr txBox="1"/>
           <p:nvPr>
             <p:ph idx="1" type="body"/>
@@ -7136,9 +6656,6 @@
   <p:clrMapOvr>
     <a:masterClrMapping/>
   </p:clrMapOvr>
-  <p:transition spd="slow">
-    <p:cut/>
-  </p:transition>
 </p:sld>
 </file>
 
@@ -7284,9 +6801,6 @@
   <p:clrMapOvr>
     <a:masterClrMapping/>
   </p:clrMapOvr>
-  <p:transition spd="slow">
-    <p:cut/>
-  </p:transition>
 </p:sld>
 </file>
 
@@ -7496,9 +7010,6 @@
   <p:clrMapOvr>
     <a:masterClrMapping/>
   </p:clrMapOvr>
-  <p:transition spd="slow">
-    <p:cut/>
-  </p:transition>
 </p:sld>
 </file>
 
@@ -7704,9 +7215,6 @@
   <p:clrMapOvr>
     <a:masterClrMapping/>
   </p:clrMapOvr>
-  <p:transition spd="slow">
-    <p:cut/>
-  </p:transition>
 </p:sld>
 </file>
 
@@ -7758,7 +7266,7 @@
             </a:pPr>
             <a:r>
               <a:rPr lang="fr"/>
-              <a:t>InnoDB</a:t>
+              <a:t>Archive</a:t>
             </a:r>
           </a:p>
         </p:txBody>
@@ -7794,55 +7302,55 @@
             </a:pPr>
             <a:r>
               <a:rPr lang="fr"/>
-              <a:t>Transactionnel : MVCC, niveaux d'isolation, row-level locking, ... </a:t>
-            </a:r>
-          </a:p>
-          <a:p>
-            <a:pPr lvl="0" rtl="0">
-              <a:spcBef>
-                <a:spcPts val="0"/>
-              </a:spcBef>
-              <a:buNone/>
-            </a:pPr>
-            <a:r>
-              <a:t/>
-            </a:r>
-            <a:endParaRPr/>
-          </a:p>
-          <a:p>
-            <a:pPr lvl="0" rtl="0">
-              <a:spcBef>
-                <a:spcPts val="0"/>
-              </a:spcBef>
-              <a:buNone/>
-            </a:pPr>
-            <a:r>
-              <a:rPr lang="fr"/>
-              <a:t>Predictable read, performances énormes pour les requêtes sur clés primaires, ... </a:t>
-            </a:r>
-          </a:p>
-          <a:p>
-            <a:pPr lvl="0" rtl="0">
-              <a:spcBef>
-                <a:spcPts val="0"/>
-              </a:spcBef>
-              <a:buNone/>
-            </a:pPr>
-            <a:r>
-              <a:t/>
-            </a:r>
-            <a:endParaRPr/>
-          </a:p>
-          <a:p>
-            <a:pPr lvl="0" rtl="0">
-              <a:spcBef>
-                <a:spcPts val="0"/>
-              </a:spcBef>
-              <a:buNone/>
-            </a:pPr>
-            <a:r>
-              <a:rPr lang="fr"/>
-              <a:t>Chaque modification de table provoque sa reconstruction complète ! </a:t>
+              <a:t>Ne supporte que les insertions / sélections.</a:t>
+            </a:r>
+          </a:p>
+          <a:p>
+            <a:pPr lvl="0" rtl="0">
+              <a:spcBef>
+                <a:spcPts val="0"/>
+              </a:spcBef>
+              <a:buNone/>
+            </a:pPr>
+            <a:r>
+              <a:t/>
+            </a:r>
+            <a:endParaRPr/>
+          </a:p>
+          <a:p>
+            <a:pPr lvl="0" rtl="0">
+              <a:spcBef>
+                <a:spcPts val="0"/>
+              </a:spcBef>
+              <a:buNone/>
+            </a:pPr>
+            <a:r>
+              <a:rPr lang="fr"/>
+              <a:t>Les lignes sont compressées et les écritures placées dans un buffer.</a:t>
+            </a:r>
+          </a:p>
+          <a:p>
+            <a:pPr lvl="0" rtl="0">
+              <a:spcBef>
+                <a:spcPts val="0"/>
+              </a:spcBef>
+              <a:buNone/>
+            </a:pPr>
+            <a:r>
+              <a:t/>
+            </a:r>
+            <a:endParaRPr/>
+          </a:p>
+          <a:p>
+            <a:pPr lvl="0" rtl="0">
+              <a:spcBef>
+                <a:spcPts val="0"/>
+              </a:spcBef>
+              <a:buNone/>
+            </a:pPr>
+            <a:r>
+              <a:rPr lang="fr"/>
+              <a:t>Row-level locking (pourquoi ?)</a:t>
             </a:r>
           </a:p>
           <a:p>
@@ -7866,7 +7374,7 @@
             </a:pPr>
             <a:r>
               <a:rPr lang="fr"/>
-              <a:t>Réputé pour être plus lent que MyISAM</a:t>
+              <a:t>En bref : optimisé pour les insertions et l'espace disque.</a:t>
             </a:r>
           </a:p>
         </p:txBody>
@@ -7876,9 +7384,6 @@
   <p:clrMapOvr>
     <a:masterClrMapping/>
   </p:clrMapOvr>
-  <p:transition spd="slow">
-    <p:cut/>
-  </p:transition>
 </p:sld>
 </file>
 
@@ -7930,7 +7435,7 @@
             </a:pPr>
             <a:r>
               <a:rPr lang="fr"/>
-              <a:t>Archive</a:t>
+              <a:t>InnoDB</a:t>
             </a:r>
           </a:p>
         </p:txBody>
@@ -7966,55 +7471,55 @@
             </a:pPr>
             <a:r>
               <a:rPr lang="fr"/>
-              <a:t>Ne supporte que les insertions / sélections.</a:t>
-            </a:r>
-          </a:p>
-          <a:p>
-            <a:pPr lvl="0" rtl="0">
-              <a:spcBef>
-                <a:spcPts val="0"/>
-              </a:spcBef>
-              <a:buNone/>
-            </a:pPr>
-            <a:r>
-              <a:t/>
-            </a:r>
-            <a:endParaRPr/>
-          </a:p>
-          <a:p>
-            <a:pPr lvl="0" rtl="0">
-              <a:spcBef>
-                <a:spcPts val="0"/>
-              </a:spcBef>
-              <a:buNone/>
-            </a:pPr>
-            <a:r>
-              <a:rPr lang="fr"/>
-              <a:t>Les lignes sont compressées et les écritures placées dans un buffer.</a:t>
-            </a:r>
-          </a:p>
-          <a:p>
-            <a:pPr lvl="0" rtl="0">
-              <a:spcBef>
-                <a:spcPts val="0"/>
-              </a:spcBef>
-              <a:buNone/>
-            </a:pPr>
-            <a:r>
-              <a:t/>
-            </a:r>
-            <a:endParaRPr/>
-          </a:p>
-          <a:p>
-            <a:pPr lvl="0" rtl="0">
-              <a:spcBef>
-                <a:spcPts val="0"/>
-              </a:spcBef>
-              <a:buNone/>
-            </a:pPr>
-            <a:r>
-              <a:rPr lang="fr"/>
-              <a:t>Row-level locking (pourquoi ?)</a:t>
+              <a:t>Transactionnel : MVCC, niveaux d'isolation, row-level locking, ... </a:t>
+            </a:r>
+          </a:p>
+          <a:p>
+            <a:pPr lvl="0" rtl="0">
+              <a:spcBef>
+                <a:spcPts val="0"/>
+              </a:spcBef>
+              <a:buNone/>
+            </a:pPr>
+            <a:r>
+              <a:t/>
+            </a:r>
+            <a:endParaRPr/>
+          </a:p>
+          <a:p>
+            <a:pPr lvl="0" rtl="0">
+              <a:spcBef>
+                <a:spcPts val="0"/>
+              </a:spcBef>
+              <a:buNone/>
+            </a:pPr>
+            <a:r>
+              <a:rPr lang="fr"/>
+              <a:t>Predictable read, performances énormes pour les requêtes sur clés primaires, ... </a:t>
+            </a:r>
+          </a:p>
+          <a:p>
+            <a:pPr lvl="0" rtl="0">
+              <a:spcBef>
+                <a:spcPts val="0"/>
+              </a:spcBef>
+              <a:buNone/>
+            </a:pPr>
+            <a:r>
+              <a:t/>
+            </a:r>
+            <a:endParaRPr/>
+          </a:p>
+          <a:p>
+            <a:pPr lvl="0" rtl="0">
+              <a:spcBef>
+                <a:spcPts val="0"/>
+              </a:spcBef>
+              <a:buNone/>
+            </a:pPr>
+            <a:r>
+              <a:rPr lang="fr"/>
+              <a:t>Chaque modification de table provoque sa reconstruction complète ! </a:t>
             </a:r>
           </a:p>
           <a:p>
@@ -8038,7 +7543,7 @@
             </a:pPr>
             <a:r>
               <a:rPr lang="fr"/>
-              <a:t>En bref : optimisé pour les insertions et l'espace disque.</a:t>
+              <a:t>Réputé pour être plus lent que MyISAM</a:t>
             </a:r>
           </a:p>
         </p:txBody>
@@ -8048,9 +7553,6 @@
   <p:clrMapOvr>
     <a:masterClrMapping/>
   </p:clrMapOvr>
-  <p:transition spd="slow">
-    <p:cut/>
-  </p:transition>
 </p:sld>
 </file>
 
@@ -8076,20 +7578,20 @@
           <p:cNvPr id="133" name="Shape 133"/>
           <p:cNvSpPr txBox="1"/>
           <p:nvPr>
-            <p:ph type="ctrTitle"/>
-          </p:nvPr>
-        </p:nvSpPr>
-        <p:spPr>
-          <a:xfrm>
-            <a:off x="685800" y="2329190"/>
-            <a:ext cx="7772400" cy="1650900"/>
-          </a:xfrm>
-          <a:prstGeom prst="rect">
-            <a:avLst/>
-          </a:prstGeom>
-        </p:spPr>
-        <p:txBody>
-          <a:bodyPr anchorCtr="0" anchor="b" bIns="91425" lIns="91425" rIns="91425" tIns="91425">
+            <p:ph type="title"/>
+          </p:nvPr>
+        </p:nvSpPr>
+        <p:spPr>
+          <a:xfrm>
+            <a:off x="457200" y="274637"/>
+            <a:ext cx="8229600" cy="1143300"/>
+          </a:xfrm>
+          <a:prstGeom prst="rect">
+            <a:avLst/>
+          </a:prstGeom>
+        </p:spPr>
+        <p:txBody>
+          <a:bodyPr anchorCtr="0" anchor="ctr" bIns="91425" lIns="91425" rIns="91425" tIns="91425">
             <a:noAutofit/>
           </a:bodyPr>
           <a:lstStyle/>
@@ -8102,7 +7604,7 @@
             </a:pPr>
             <a:r>
               <a:rPr lang="fr"/>
-              <a:t>Indexation</a:t>
+              <a:t>MVCC</a:t>
             </a:r>
           </a:p>
         </p:txBody>
@@ -8112,13 +7614,13 @@
           <p:cNvPr id="134" name="Shape 134"/>
           <p:cNvSpPr txBox="1"/>
           <p:nvPr>
-            <p:ph idx="1" type="subTitle"/>
-          </p:nvPr>
-        </p:nvSpPr>
-        <p:spPr>
-          <a:xfrm>
-            <a:off x="685800" y="4124476"/>
-            <a:ext cx="7772400" cy="888899"/>
+            <p:ph idx="1" type="body"/>
+          </p:nvPr>
+        </p:nvSpPr>
+        <p:spPr>
+          <a:xfrm>
+            <a:off x="457200" y="1600200"/>
+            <a:ext cx="8229600" cy="4967700"/>
           </a:xfrm>
           <a:prstGeom prst="rect">
             <a:avLst/>
@@ -8130,16 +7632,148 @@
           </a:bodyPr>
           <a:lstStyle/>
           <a:p>
-            <a:pPr lvl="0" rtl="0">
-              <a:spcBef>
-                <a:spcPts val="0"/>
-              </a:spcBef>
-              <a:buNone/>
-            </a:pPr>
-            <a:r>
-              <a:rPr lang="fr"/>
-              <a:t>B-Tree et hash</a:t>
-            </a:r>
+            <a:pPr lvl="0">
+              <a:spcBef>
+                <a:spcPts val="0"/>
+              </a:spcBef>
+              <a:buNone/>
+            </a:pPr>
+            <a:r>
+              <a:rPr lang="fr"/>
+              <a:t>Multiversion Concurrency Control</a:t>
+            </a:r>
+          </a:p>
+          <a:p>
+            <a:pPr lvl="0">
+              <a:spcBef>
+                <a:spcPts val="0"/>
+              </a:spcBef>
+              <a:buNone/>
+            </a:pPr>
+            <a:r>
+              <a:t/>
+            </a:r>
+            <a:endParaRPr/>
+          </a:p>
+          <a:p>
+            <a:pPr lvl="0">
+              <a:spcBef>
+                <a:spcPts val="0"/>
+              </a:spcBef>
+              <a:buNone/>
+            </a:pPr>
+            <a:r>
+              <a:rPr lang="fr"/>
+              <a:t>Chaque donnée à une version</a:t>
+            </a:r>
+          </a:p>
+          <a:p>
+            <a:pPr lvl="0">
+              <a:spcBef>
+                <a:spcPts val="0"/>
+              </a:spcBef>
+              <a:buNone/>
+            </a:pPr>
+            <a:r>
+              <a:t/>
+            </a:r>
+            <a:endParaRPr/>
+          </a:p>
+          <a:p>
+            <a:pPr lvl="0">
+              <a:spcBef>
+                <a:spcPts val="0"/>
+              </a:spcBef>
+              <a:buNone/>
+            </a:pPr>
+            <a:r>
+              <a:rPr lang="fr"/>
+              <a:t>Chaque transaction s’effectue sur un snapshot</a:t>
+            </a:r>
+          </a:p>
+          <a:p>
+            <a:pPr lvl="0">
+              <a:spcBef>
+                <a:spcPts val="0"/>
+              </a:spcBef>
+              <a:buNone/>
+            </a:pPr>
+            <a:r>
+              <a:t/>
+            </a:r>
+            <a:endParaRPr/>
+          </a:p>
+          <a:p>
+            <a:pPr lvl="0">
+              <a:spcBef>
+                <a:spcPts val="0"/>
+              </a:spcBef>
+              <a:buNone/>
+            </a:pPr>
+            <a:r>
+              <a:rPr lang="fr"/>
+              <a:t>Lors du commit, les versions des données sont incrémentées</a:t>
+            </a:r>
+          </a:p>
+          <a:p>
+            <a:pPr lvl="0">
+              <a:spcBef>
+                <a:spcPts val="0"/>
+              </a:spcBef>
+              <a:buNone/>
+            </a:pPr>
+            <a:r>
+              <a:t/>
+            </a:r>
+            <a:endParaRPr/>
+          </a:p>
+          <a:p>
+            <a:pPr lvl="0">
+              <a:spcBef>
+                <a:spcPts val="0"/>
+              </a:spcBef>
+              <a:buNone/>
+            </a:pPr>
+            <a:r>
+              <a:t/>
+            </a:r>
+            <a:endParaRPr/>
+          </a:p>
+          <a:p>
+            <a:pPr lvl="0">
+              <a:spcBef>
+                <a:spcPts val="0"/>
+              </a:spcBef>
+              <a:buNone/>
+            </a:pPr>
+            <a:r>
+              <a:t/>
+            </a:r>
+            <a:endParaRPr/>
+          </a:p>
+          <a:p>
+            <a:pPr lvl="0">
+              <a:spcBef>
+                <a:spcPts val="0"/>
+              </a:spcBef>
+              <a:buNone/>
+            </a:pPr>
+            <a:r>
+              <a:t/>
+            </a:r>
+            <a:endParaRPr/>
+          </a:p>
+          <a:p>
+            <a:pPr lvl="0" rtl="0">
+              <a:spcBef>
+                <a:spcPts val="0"/>
+              </a:spcBef>
+              <a:buNone/>
+            </a:pPr>
+            <a:r>
+              <a:t/>
+            </a:r>
+            <a:endParaRPr/>
           </a:p>
         </p:txBody>
       </p:sp>
@@ -8148,9 +7782,6 @@
   <p:clrMapOvr>
     <a:masterClrMapping/>
   </p:clrMapOvr>
-  <p:transition spd="slow">
-    <p:cut/>
-  </p:transition>
 </p:sld>
 </file>
 
@@ -8182,7 +7813,7 @@
         <p:spPr>
           <a:xfrm>
             <a:off x="457200" y="274637"/>
-            <a:ext cx="8229600" cy="1143299"/>
+            <a:ext cx="8229600" cy="1143300"/>
           </a:xfrm>
           <a:prstGeom prst="rect">
             <a:avLst/>
@@ -8194,15 +7825,15 @@
           </a:bodyPr>
           <a:lstStyle/>
           <a:p>
-            <a:pPr lvl="0">
-              <a:spcBef>
-                <a:spcPts val="0"/>
-              </a:spcBef>
-              <a:buNone/>
-            </a:pPr>
-            <a:r>
-              <a:rPr lang="fr"/>
-              <a:t>Indexation</a:t>
+            <a:pPr lvl="0" rtl="0">
+              <a:spcBef>
+                <a:spcPts val="0"/>
+              </a:spcBef>
+              <a:buNone/>
+            </a:pPr>
+            <a:r>
+              <a:rPr lang="fr"/>
+              <a:t>MVCC</a:t>
             </a:r>
           </a:p>
         </p:txBody>
@@ -8238,8 +7869,68 @@
             </a:pPr>
             <a:r>
               <a:rPr lang="fr"/>
-              <a:t>Quel est l'intérêt d'indexer ses données ?</a:t>
-            </a:r>
+              <a:t>Avantages : Lectures jamais bloquées. Pas de verrous</a:t>
+            </a:r>
+          </a:p>
+          <a:p>
+            <a:pPr lvl="0">
+              <a:spcBef>
+                <a:spcPts val="0"/>
+              </a:spcBef>
+              <a:buNone/>
+            </a:pPr>
+            <a:r>
+              <a:t/>
+            </a:r>
+            <a:endParaRPr/>
+          </a:p>
+          <a:p>
+            <a:pPr lvl="0">
+              <a:spcBef>
+                <a:spcPts val="0"/>
+              </a:spcBef>
+              <a:buNone/>
+            </a:pPr>
+            <a:r>
+              <a:t/>
+            </a:r>
+            <a:endParaRPr/>
+          </a:p>
+          <a:p>
+            <a:pPr lvl="0">
+              <a:spcBef>
+                <a:spcPts val="0"/>
+              </a:spcBef>
+              <a:buNone/>
+            </a:pPr>
+            <a:r>
+              <a:rPr lang="fr"/>
+              <a:t>Inconvénients : Maintien des versions et suppression des données obsolètes</a:t>
+            </a:r>
+          </a:p>
+          <a:p>
+            <a:pPr lvl="0">
+              <a:spcBef>
+                <a:spcPts val="0"/>
+              </a:spcBef>
+              <a:buNone/>
+            </a:pPr>
+            <a:r>
+              <a:t/>
+            </a:r>
+            <a:endParaRPr/>
+          </a:p>
+          <a:p>
+            <a:pPr lvl="0" rtl="0">
+              <a:spcBef>
+                <a:spcPts val="0"/>
+              </a:spcBef>
+              <a:buNone/>
+            </a:pPr>
+            <a:r>
+              <a:t/>
+            </a:r>
+            <a:endParaRPr/>
           </a:p>
         </p:txBody>
       </p:sp>
@@ -8248,9 +7939,6 @@
   <p:clrMapOvr>
     <a:masterClrMapping/>
   </p:clrMapOvr>
-  <p:transition spd="slow">
-    <p:cut/>
-  </p:transition>
 </p:sld>
 </file>
 
@@ -8276,33 +7964,33 @@
           <p:cNvPr id="145" name="Shape 145"/>
           <p:cNvSpPr txBox="1"/>
           <p:nvPr>
-            <p:ph type="title"/>
-          </p:nvPr>
-        </p:nvSpPr>
-        <p:spPr>
-          <a:xfrm>
-            <a:off x="457200" y="274637"/>
-            <a:ext cx="8229600" cy="1143299"/>
-          </a:xfrm>
-          <a:prstGeom prst="rect">
-            <a:avLst/>
-          </a:prstGeom>
-        </p:spPr>
-        <p:txBody>
-          <a:bodyPr anchorCtr="0" anchor="ctr" bIns="91425" lIns="91425" rIns="91425" tIns="91425">
+            <p:ph type="ctrTitle"/>
+          </p:nvPr>
+        </p:nvSpPr>
+        <p:spPr>
+          <a:xfrm>
+            <a:off x="685800" y="2329190"/>
+            <a:ext cx="7772400" cy="1650900"/>
+          </a:xfrm>
+          <a:prstGeom prst="rect">
+            <a:avLst/>
+          </a:prstGeom>
+        </p:spPr>
+        <p:txBody>
+          <a:bodyPr anchorCtr="0" anchor="b" bIns="91425" lIns="91425" rIns="91425" tIns="91425">
             <a:noAutofit/>
           </a:bodyPr>
           <a:lstStyle/>
           <a:p>
-            <a:pPr lvl="0">
-              <a:spcBef>
-                <a:spcPts val="0"/>
-              </a:spcBef>
-              <a:buNone/>
-            </a:pPr>
-            <a:r>
-              <a:rPr lang="fr"/>
-              <a:t>Indexation</a:t>
+            <a:pPr lvl="0" rtl="0">
+              <a:spcBef>
+                <a:spcPts val="0"/>
+              </a:spcBef>
+              <a:buNone/>
+            </a:pPr>
+            <a:r>
+              <a:rPr lang="fr"/>
+              <a:t>Types de données</a:t>
             </a:r>
           </a:p>
         </p:txBody>
@@ -8312,13 +8000,13 @@
           <p:cNvPr id="146" name="Shape 146"/>
           <p:cNvSpPr txBox="1"/>
           <p:nvPr>
-            <p:ph idx="1" type="body"/>
-          </p:nvPr>
-        </p:nvSpPr>
-        <p:spPr>
-          <a:xfrm>
-            <a:off x="457200" y="1600200"/>
-            <a:ext cx="8229600" cy="4967700"/>
+            <p:ph idx="1" type="subTitle"/>
+          </p:nvPr>
+        </p:nvSpPr>
+        <p:spPr>
+          <a:xfrm>
+            <a:off x="685800" y="4124476"/>
+            <a:ext cx="7772400" cy="888899"/>
           </a:xfrm>
           <a:prstGeom prst="rect">
             <a:avLst/>
@@ -8337,69 +8025,9 @@
               <a:buNone/>
             </a:pPr>
             <a:r>
-              <a:rPr lang="fr"/>
-              <a:t>Quel est l'intérêt d'indexer ses données ?</a:t>
-            </a:r>
-          </a:p>
-          <a:p>
-            <a:pPr lvl="0" rtl="0">
-              <a:spcBef>
-                <a:spcPts val="0"/>
-              </a:spcBef>
-              <a:buNone/>
-            </a:pPr>
-            <a:r>
-              <a:t/>
-            </a:r>
-            <a:endParaRPr/>
-          </a:p>
-          <a:p>
-            <a:pPr lvl="0" rtl="0">
-              <a:spcBef>
-                <a:spcPts val="0"/>
-              </a:spcBef>
-              <a:buNone/>
-            </a:pPr>
-            <a:r>
-              <a:rPr lang="fr">
-                <a:solidFill>
-                  <a:srgbClr val="FF0000"/>
-                </a:solidFill>
-              </a:rPr>
-              <a:t>Les performances !</a:t>
-            </a:r>
-          </a:p>
-          <a:p>
-            <a:pPr lvl="0" rtl="0">
-              <a:spcBef>
-                <a:spcPts val="0"/>
-              </a:spcBef>
-              <a:buNone/>
-            </a:pPr>
-            <a:r>
-              <a:t/>
-            </a:r>
-            <a:endParaRPr>
-              <a:solidFill>
-                <a:srgbClr val="FF0000"/>
-              </a:solidFill>
-            </a:endParaRPr>
-          </a:p>
-          <a:p>
-            <a:pPr lvl="0">
-              <a:spcBef>
-                <a:spcPts val="0"/>
-              </a:spcBef>
-              <a:buNone/>
-            </a:pPr>
-            <a:r>
-              <a:rPr lang="fr">
-                <a:solidFill>
-                  <a:srgbClr val="FF0000"/>
-                </a:solidFill>
-              </a:rPr>
-              <a:t>Un index permet de retrouver très rapidement un ensemble de données.</a:t>
-            </a:r>
+              <a:t/>
+            </a:r>
+            <a:endParaRPr/>
           </a:p>
         </p:txBody>
       </p:sp>
@@ -8408,9 +8036,6 @@
   <p:clrMapOvr>
     <a:masterClrMapping/>
   </p:clrMapOvr>
-  <p:transition spd="slow">
-    <p:cut/>
-  </p:transition>
 </p:sld>
 </file>
 
@@ -8462,7 +8087,7 @@
             </a:pPr>
             <a:r>
               <a:rPr lang="fr"/>
-              <a:t>B-Tree</a:t>
+              <a:t>Types de données</a:t>
             </a:r>
           </a:p>
         </p:txBody>
@@ -8490,87 +8115,15 @@
           </a:bodyPr>
           <a:lstStyle/>
           <a:p>
-            <a:pPr lvl="0" rtl="0">
-              <a:spcBef>
-                <a:spcPts val="0"/>
-              </a:spcBef>
-              <a:buNone/>
-            </a:pPr>
-            <a:r>
-              <a:rPr lang="fr"/>
-              <a:t>Arbre équilibré</a:t>
-            </a:r>
-          </a:p>
-          <a:p>
-            <a:pPr lvl="0" rtl="0">
-              <a:spcBef>
-                <a:spcPts val="0"/>
-              </a:spcBef>
-              <a:buNone/>
-            </a:pPr>
-            <a:r>
-              <a:t/>
-            </a:r>
-            <a:endParaRPr/>
-          </a:p>
-          <a:p>
-            <a:pPr lvl="0" rtl="0">
-              <a:spcBef>
-                <a:spcPts val="0"/>
-              </a:spcBef>
-              <a:buNone/>
-            </a:pPr>
-            <a:r>
-              <a:t/>
-            </a:r>
-            <a:endParaRPr/>
-          </a:p>
-          <a:p>
-            <a:pPr lvl="0" rtl="0">
-              <a:spcBef>
-                <a:spcPts val="0"/>
-              </a:spcBef>
-              <a:buNone/>
-            </a:pPr>
-            <a:r>
-              <a:rPr lang="fr"/>
-              <a:t>Avantages : Lecture séquentielle rapide - Accès très rapides</a:t>
-            </a:r>
-          </a:p>
-          <a:p>
-            <a:pPr lvl="0" rtl="0">
-              <a:spcBef>
-                <a:spcPts val="0"/>
-              </a:spcBef>
-              <a:buNone/>
-            </a:pPr>
-            <a:r>
-              <a:t/>
-            </a:r>
-            <a:endParaRPr/>
-          </a:p>
-          <a:p>
-            <a:pPr lvl="0" rtl="0">
-              <a:spcBef>
-                <a:spcPts val="0"/>
-              </a:spcBef>
-              <a:buNone/>
-            </a:pPr>
-            <a:r>
-              <a:t/>
-            </a:r>
-            <a:endParaRPr/>
-          </a:p>
-          <a:p>
-            <a:pPr lvl="0" rtl="0">
-              <a:spcBef>
-                <a:spcPts val="0"/>
-              </a:spcBef>
-              <a:buNone/>
-            </a:pPr>
-            <a:r>
-              <a:rPr lang="fr"/>
-              <a:t>Inconvénients : Potentielle mauvaise localité - Taille de l'index pouvant être importante</a:t>
+            <a:pPr lvl="0">
+              <a:spcBef>
+                <a:spcPts val="0"/>
+              </a:spcBef>
+              <a:buNone/>
+            </a:pPr>
+            <a:r>
+              <a:rPr lang="fr"/>
+              <a:t>Qu'apporte le bon choix du type de donnés ?</a:t>
             </a:r>
           </a:p>
         </p:txBody>
@@ -8580,9 +8133,6 @@
   <p:clrMapOvr>
     <a:masterClrMapping/>
   </p:clrMapOvr>
-  <p:transition spd="slow">
-    <p:cut/>
-  </p:transition>
 </p:sld>
 </file>
 
@@ -8626,55 +8176,88 @@
           </a:bodyPr>
           <a:lstStyle/>
           <a:p>
-            <a:pPr lvl="0">
-              <a:spcBef>
-                <a:spcPts val="0"/>
-              </a:spcBef>
-              <a:buNone/>
-            </a:pPr>
-            <a:r>
-              <a:rPr lang="fr"/>
-              <a:t>B-Tree</a:t>
-            </a:r>
-          </a:p>
-        </p:txBody>
-      </p:sp>
-      <p:pic>
-        <p:nvPicPr>
+            <a:pPr lvl="0" rtl="0">
+              <a:spcBef>
+                <a:spcPts val="0"/>
+              </a:spcBef>
+              <a:buNone/>
+            </a:pPr>
+            <a:r>
+              <a:rPr lang="fr"/>
+              <a:t>Types de données</a:t>
+            </a:r>
+          </a:p>
+        </p:txBody>
+      </p:sp>
+      <p:sp>
+        <p:nvSpPr>
           <p:cNvPr id="158" name="Shape 158"/>
-          <p:cNvPicPr preferRelativeResize="0"/>
-          <p:nvPr/>
-        </p:nvPicPr>
-        <p:blipFill>
-          <a:blip r:embed="rId3">
-            <a:alphaModFix/>
-          </a:blip>
-          <a:stretch>
-            <a:fillRect/>
-          </a:stretch>
-        </p:blipFill>
-        <p:spPr>
-          <a:xfrm>
-            <a:off x="0" y="1971675"/>
-            <a:ext cx="9143999" cy="3946491"/>
-          </a:xfrm>
-          <a:prstGeom prst="rect">
-            <a:avLst/>
-          </a:prstGeom>
-          <a:noFill/>
-          <a:ln>
-            <a:noFill/>
-          </a:ln>
-        </p:spPr>
-      </p:pic>
+          <p:cNvSpPr txBox="1"/>
+          <p:nvPr>
+            <p:ph idx="1" type="body"/>
+          </p:nvPr>
+        </p:nvSpPr>
+        <p:spPr>
+          <a:xfrm>
+            <a:off x="457200" y="1600200"/>
+            <a:ext cx="8229600" cy="4967700"/>
+          </a:xfrm>
+          <a:prstGeom prst="rect">
+            <a:avLst/>
+          </a:prstGeom>
+        </p:spPr>
+        <p:txBody>
+          <a:bodyPr anchorCtr="0" anchor="t" bIns="91425" lIns="91425" rIns="91425" tIns="91425">
+            <a:noAutofit/>
+          </a:bodyPr>
+          <a:lstStyle/>
+          <a:p>
+            <a:pPr lvl="0" rtl="0">
+              <a:spcBef>
+                <a:spcPts val="0"/>
+              </a:spcBef>
+              <a:buNone/>
+            </a:pPr>
+            <a:r>
+              <a:rPr lang="fr"/>
+              <a:t>Qu'apporte le bon choix du type de donnés ?</a:t>
+            </a:r>
+          </a:p>
+          <a:p>
+            <a:pPr lvl="0" rtl="0">
+              <a:spcBef>
+                <a:spcPts val="0"/>
+              </a:spcBef>
+              <a:buNone/>
+            </a:pPr>
+            <a:r>
+              <a:t/>
+            </a:r>
+            <a:endParaRPr/>
+          </a:p>
+          <a:p>
+            <a:pPr lvl="0" rtl="0">
+              <a:spcBef>
+                <a:spcPts val="0"/>
+              </a:spcBef>
+              <a:buNone/>
+            </a:pPr>
+            <a:r>
+              <a:rPr lang="fr">
+                <a:solidFill>
+                  <a:srgbClr val="FF0000"/>
+                </a:solidFill>
+              </a:rPr>
+              <a:t>Moins d'espace disque, de mémoire, de cycles CPU et d'espace dans le cache du CPU.</a:t>
+            </a:r>
+          </a:p>
+        </p:txBody>
+      </p:sp>
     </p:spTree>
   </p:cSld>
   <p:clrMapOvr>
     <a:masterClrMapping/>
   </p:clrMapOvr>
-  <p:transition spd="slow">
-    <p:cut/>
-  </p:transition>
 </p:sld>
 </file>
 
@@ -8772,9 +8355,6 @@
   <p:clrMapOvr>
     <a:masterClrMapping/>
   </p:clrMapOvr>
-  <p:transition spd="slow">
-    <p:cut/>
-  </p:transition>
 </p:sld>
 </file>
 
@@ -8826,7 +8406,7 @@
             </a:pPr>
             <a:r>
               <a:rPr lang="fr"/>
-              <a:t>Hachage</a:t>
+              <a:t>Les entiers</a:t>
             </a:r>
           </a:p>
         </p:txBody>
@@ -8862,31 +8442,31 @@
             </a:pPr>
             <a:r>
               <a:rPr lang="fr"/>
-              <a:t>Création d'une clé associée à une valeur ou un groupe.</a:t>
-            </a:r>
-          </a:p>
-          <a:p>
-            <a:pPr lvl="0" rtl="0">
-              <a:spcBef>
-                <a:spcPts val="0"/>
-              </a:spcBef>
-              <a:buNone/>
-            </a:pPr>
-            <a:r>
-              <a:t/>
-            </a:r>
-            <a:endParaRPr/>
-          </a:p>
-          <a:p>
-            <a:pPr lvl="0" rtl="0">
-              <a:spcBef>
-                <a:spcPts val="0"/>
-              </a:spcBef>
-              <a:buNone/>
-            </a:pPr>
-            <a:r>
-              <a:rPr lang="fr"/>
-              <a:t>Avantages : Très rapide pour les insertions / suppressions / sélections avec égalité.</a:t>
+              <a:t>TINYINT, SMALLINT, MEDIUMINT, INT, BIGINT codé respectivement sur 8, 16, 24, 32, 64 bits.</a:t>
+            </a:r>
+          </a:p>
+          <a:p>
+            <a:pPr lvl="0" rtl="0">
+              <a:spcBef>
+                <a:spcPts val="0"/>
+              </a:spcBef>
+              <a:buNone/>
+            </a:pPr>
+            <a:r>
+              <a:t/>
+            </a:r>
+            <a:endParaRPr/>
+          </a:p>
+          <a:p>
+            <a:pPr lvl="0" rtl="0">
+              <a:spcBef>
+                <a:spcPts val="0"/>
+              </a:spcBef>
+              <a:buNone/>
+            </a:pPr>
+            <a:r>
+              <a:rPr lang="fr"/>
+              <a:t>Peuvent être non signés (mot-clé UNSIGNED)</a:t>
             </a:r>
           </a:p>
           <a:p>
@@ -8910,7 +8490,7 @@
             </a:pPr>
             <a:r>
               <a:rPr lang="fr"/>
-              <a:t>Inconvénients : Sélections ordonnées</a:t>
+              <a:t>Quelles sont les différences entre INT(1) et INT(24) ?</a:t>
             </a:r>
           </a:p>
         </p:txBody>
@@ -8920,9 +8500,6 @@
   <p:clrMapOvr>
     <a:masterClrMapping/>
   </p:clrMapOvr>
-  <p:transition spd="slow">
-    <p:cut/>
-  </p:transition>
 </p:sld>
 </file>
 
@@ -8974,7 +8551,7 @@
             </a:pPr>
             <a:r>
               <a:rPr lang="fr"/>
-              <a:t>Indexation</a:t>
+              <a:t>Le texte</a:t>
             </a:r>
           </a:p>
         </p:txBody>
@@ -9010,77 +8587,55 @@
             </a:pPr>
             <a:r>
               <a:rPr lang="fr"/>
-              <a:t>Choisir son index :</a:t>
-            </a:r>
-          </a:p>
-          <a:p>
-            <a:pPr lvl="0" rtl="0">
-              <a:spcBef>
-                <a:spcPts val="0"/>
-              </a:spcBef>
-              <a:buNone/>
-            </a:pPr>
-            <a:r>
-              <a:t/>
-            </a:r>
-            <a:endParaRPr/>
-          </a:p>
-          <a:p>
-            <a:pPr lvl="0" rtl="0">
-              <a:spcBef>
-                <a:spcPts val="0"/>
-              </a:spcBef>
-              <a:buNone/>
-            </a:pPr>
-            <a:r>
-              <a:rPr lang="fr" sz="1800">
-                <a:solidFill>
-                  <a:srgbClr val="000000"/>
-                </a:solidFill>
-                <a:highlight>
-                  <a:srgbClr val="EEEEEE"/>
-                </a:highlight>
-                <a:latin typeface="Courier New"/>
-                <a:ea typeface="Courier New"/>
-                <a:cs typeface="Courier New"/>
-                <a:sym typeface="Courier New"/>
-              </a:rPr>
-              <a:t>CREATE INDEX id_index ON lookup (id) USING BTREE;</a:t>
-            </a:r>
-          </a:p>
-          <a:p>
-            <a:pPr lvl="0" rtl="0">
-              <a:spcBef>
-                <a:spcPts val="0"/>
-              </a:spcBef>
-              <a:buNone/>
-            </a:pPr>
-            <a:r>
-              <a:t/>
-            </a:r>
-            <a:endParaRPr/>
-          </a:p>
-          <a:p>
-            <a:pPr lvl="0" rtl="0">
-              <a:spcBef>
-                <a:spcPts val="0"/>
-              </a:spcBef>
-              <a:buNone/>
-            </a:pPr>
-            <a:r>
-              <a:rPr lang="fr" sz="1800">
-                <a:solidFill>
-                  <a:srgbClr val="000000"/>
-                </a:solidFill>
-                <a:highlight>
-                  <a:srgbClr val="EEEEEE"/>
-                </a:highlight>
-                <a:latin typeface="Courier New"/>
-                <a:ea typeface="Courier New"/>
-                <a:cs typeface="Courier New"/>
-                <a:sym typeface="Courier New"/>
-              </a:rPr>
-              <a:t>CREATE INDEX id_index ON lookup (id) USING HASH;</a:t>
+              <a:t>Les implémentations des CHAR et VARCHAR varient avec le moteur de stockage.</a:t>
+            </a:r>
+          </a:p>
+          <a:p>
+            <a:pPr lvl="0" rtl="0">
+              <a:spcBef>
+                <a:spcPts val="0"/>
+              </a:spcBef>
+              <a:buNone/>
+            </a:pPr>
+            <a:r>
+              <a:t/>
+            </a:r>
+            <a:endParaRPr/>
+          </a:p>
+          <a:p>
+            <a:pPr lvl="0" rtl="0">
+              <a:spcBef>
+                <a:spcPts val="0"/>
+              </a:spcBef>
+              <a:buNone/>
+            </a:pPr>
+            <a:r>
+              <a:rPr lang="fr"/>
+              <a:t>CHAR : Taille fixe</a:t>
+            </a:r>
+          </a:p>
+          <a:p>
+            <a:pPr lvl="0" rtl="0">
+              <a:spcBef>
+                <a:spcPts val="0"/>
+              </a:spcBef>
+              <a:buNone/>
+            </a:pPr>
+            <a:r>
+              <a:t/>
+            </a:r>
+            <a:endParaRPr/>
+          </a:p>
+          <a:p>
+            <a:pPr lvl="0" rtl="0">
+              <a:spcBef>
+                <a:spcPts val="0"/>
+              </a:spcBef>
+              <a:buNone/>
+            </a:pPr>
+            <a:r>
+              <a:rPr lang="fr"/>
+              <a:t>VARCHAR : Taille variable</a:t>
             </a:r>
           </a:p>
           <a:p>
@@ -9103,9 +8658,9 @@
               <a:buNone/>
             </a:pPr>
             <a:r>
-              <a:rPr lang="fr"/>
-              <a:t>Par défaut, le B-Tree est utilisé.</a:t>
-            </a:r>
+              <a:t/>
+            </a:r>
+            <a:endParaRPr/>
           </a:p>
         </p:txBody>
       </p:sp>
@@ -9114,9 +8669,6 @@
   <p:clrMapOvr>
     <a:masterClrMapping/>
   </p:clrMapOvr>
-  <p:transition spd="slow">
-    <p:cut/>
-  </p:transition>
 </p:sld>
 </file>
 
@@ -9142,33 +8694,33 @@
           <p:cNvPr id="175" name="Shape 175"/>
           <p:cNvSpPr txBox="1"/>
           <p:nvPr>
-            <p:ph type="ctrTitle"/>
-          </p:nvPr>
-        </p:nvSpPr>
-        <p:spPr>
-          <a:xfrm>
-            <a:off x="685800" y="2329190"/>
-            <a:ext cx="7772400" cy="1650900"/>
-          </a:xfrm>
-          <a:prstGeom prst="rect">
-            <a:avLst/>
-          </a:prstGeom>
-        </p:spPr>
-        <p:txBody>
-          <a:bodyPr anchorCtr="0" anchor="b" bIns="91425" lIns="91425" rIns="91425" tIns="91425">
+            <p:ph type="title"/>
+          </p:nvPr>
+        </p:nvSpPr>
+        <p:spPr>
+          <a:xfrm>
+            <a:off x="457200" y="274637"/>
+            <a:ext cx="8229600" cy="1143299"/>
+          </a:xfrm>
+          <a:prstGeom prst="rect">
+            <a:avLst/>
+          </a:prstGeom>
+        </p:spPr>
+        <p:txBody>
+          <a:bodyPr anchorCtr="0" anchor="ctr" bIns="91425" lIns="91425" rIns="91425" tIns="91425">
             <a:noAutofit/>
           </a:bodyPr>
           <a:lstStyle/>
           <a:p>
-            <a:pPr lvl="0" rtl="0">
-              <a:spcBef>
-                <a:spcPts val="0"/>
-              </a:spcBef>
-              <a:buNone/>
-            </a:pPr>
-            <a:r>
-              <a:rPr lang="fr"/>
-              <a:t>Types de données</a:t>
+            <a:pPr lvl="0">
+              <a:spcBef>
+                <a:spcPts val="0"/>
+              </a:spcBef>
+              <a:buNone/>
+            </a:pPr>
+            <a:r>
+              <a:rPr lang="fr"/>
+              <a:t>VARCHAR	</a:t>
             </a:r>
           </a:p>
         </p:txBody>
@@ -9178,13 +8730,13 @@
           <p:cNvPr id="176" name="Shape 176"/>
           <p:cNvSpPr txBox="1"/>
           <p:nvPr>
-            <p:ph idx="1" type="subTitle"/>
-          </p:nvPr>
-        </p:nvSpPr>
-        <p:spPr>
-          <a:xfrm>
-            <a:off x="685800" y="4124476"/>
-            <a:ext cx="7772400" cy="888899"/>
+            <p:ph idx="1" type="body"/>
+          </p:nvPr>
+        </p:nvSpPr>
+        <p:spPr>
+          <a:xfrm>
+            <a:off x="457200" y="1600200"/>
+            <a:ext cx="8229600" cy="4967700"/>
           </a:xfrm>
           <a:prstGeom prst="rect">
             <a:avLst/>
@@ -9203,9 +8755,81 @@
               <a:buNone/>
             </a:pPr>
             <a:r>
-              <a:t/>
-            </a:r>
-            <a:endParaRPr/>
+              <a:rPr lang="fr"/>
+              <a:t>Seul le nécessaire est persisté.</a:t>
+            </a:r>
+          </a:p>
+          <a:p>
+            <a:pPr lvl="0" rtl="0">
+              <a:spcBef>
+                <a:spcPts val="0"/>
+              </a:spcBef>
+              <a:buNone/>
+            </a:pPr>
+            <a:r>
+              <a:t/>
+            </a:r>
+            <a:endParaRPr/>
+          </a:p>
+          <a:p>
+            <a:pPr lvl="0" rtl="0">
+              <a:spcBef>
+                <a:spcPts val="0"/>
+              </a:spcBef>
+              <a:buNone/>
+            </a:pPr>
+            <a:r>
+              <a:t/>
+            </a:r>
+            <a:endParaRPr/>
+          </a:p>
+          <a:p>
+            <a:pPr lvl="0" rtl="0">
+              <a:spcBef>
+                <a:spcPts val="0"/>
+              </a:spcBef>
+              <a:buNone/>
+            </a:pPr>
+            <a:r>
+              <a:rPr lang="fr"/>
+              <a:t>Utilise entre 1 et 2 bytes pour stocker la taille.</a:t>
+            </a:r>
+          </a:p>
+          <a:p>
+            <a:pPr lvl="0" rtl="0">
+              <a:spcBef>
+                <a:spcPts val="0"/>
+              </a:spcBef>
+              <a:buNone/>
+            </a:pPr>
+            <a:r>
+              <a:t/>
+            </a:r>
+            <a:endParaRPr/>
+          </a:p>
+          <a:p>
+            <a:pPr lvl="0" rtl="0">
+              <a:spcBef>
+                <a:spcPts val="0"/>
+              </a:spcBef>
+              <a:buNone/>
+            </a:pPr>
+            <a:r>
+              <a:t/>
+            </a:r>
+            <a:endParaRPr/>
+          </a:p>
+          <a:p>
+            <a:pPr lvl="0" rtl="0">
+              <a:spcBef>
+                <a:spcPts val="0"/>
+              </a:spcBef>
+              <a:buNone/>
+            </a:pPr>
+            <a:r>
+              <a:rPr lang="fr"/>
+              <a:t>L'action associée au dépassement varie avec le moteur de stockage.</a:t>
+            </a:r>
           </a:p>
         </p:txBody>
       </p:sp>
@@ -9214,9 +8838,6 @@
   <p:clrMapOvr>
     <a:masterClrMapping/>
   </p:clrMapOvr>
-  <p:transition spd="slow">
-    <p:cut/>
-  </p:transition>
 </p:sld>
 </file>
 
@@ -9268,7 +8889,7 @@
             </a:pPr>
             <a:r>
               <a:rPr lang="fr"/>
-              <a:t>Types de données</a:t>
+              <a:t>CHAR</a:t>
             </a:r>
           </a:p>
         </p:txBody>
@@ -9296,6 +8917,78 @@
           </a:bodyPr>
           <a:lstStyle/>
           <a:p>
+            <a:pPr lvl="0" rtl="0">
+              <a:spcBef>
+                <a:spcPts val="0"/>
+              </a:spcBef>
+              <a:buNone/>
+            </a:pPr>
+            <a:r>
+              <a:rPr lang="fr"/>
+              <a:t>Les espaces en fin de chaîne sont supprimés.</a:t>
+            </a:r>
+          </a:p>
+          <a:p>
+            <a:pPr lvl="0" rtl="0">
+              <a:spcBef>
+                <a:spcPts val="0"/>
+              </a:spcBef>
+              <a:buNone/>
+            </a:pPr>
+            <a:r>
+              <a:t/>
+            </a:r>
+            <a:endParaRPr/>
+          </a:p>
+          <a:p>
+            <a:pPr lvl="0" rtl="0">
+              <a:spcBef>
+                <a:spcPts val="0"/>
+              </a:spcBef>
+              <a:buNone/>
+            </a:pPr>
+            <a:r>
+              <a:t/>
+            </a:r>
+            <a:endParaRPr/>
+          </a:p>
+          <a:p>
+            <a:pPr lvl="0" rtl="0">
+              <a:spcBef>
+                <a:spcPts val="0"/>
+              </a:spcBef>
+              <a:buNone/>
+            </a:pPr>
+            <a:r>
+              <a:rPr lang="fr"/>
+              <a:t>Des espaces sont ajoutés à la fin pour la comparaison.</a:t>
+            </a:r>
+          </a:p>
+          <a:p>
+            <a:pPr lvl="0" rtl="0">
+              <a:spcBef>
+                <a:spcPts val="0"/>
+              </a:spcBef>
+              <a:buNone/>
+            </a:pPr>
+            <a:r>
+              <a:t/>
+            </a:r>
+            <a:endParaRPr/>
+          </a:p>
+          <a:p>
+            <a:pPr lvl="0" rtl="0">
+              <a:spcBef>
+                <a:spcPts val="0"/>
+              </a:spcBef>
+              <a:buNone/>
+            </a:pPr>
+            <a:r>
+              <a:t/>
+            </a:r>
+            <a:endParaRPr/>
+          </a:p>
+          <a:p>
             <a:pPr lvl="0">
               <a:spcBef>
                 <a:spcPts val="0"/>
@@ -9304,7 +8997,7 @@
             </a:pPr>
             <a:r>
               <a:rPr lang="fr"/>
-              <a:t>Qu'apporte le bon choix du type de donnés ?</a:t>
+              <a:t>Efficace lorsque la taille est prédéfinie ou très faible.</a:t>
             </a:r>
           </a:p>
         </p:txBody>
@@ -9314,9 +9007,6 @@
   <p:clrMapOvr>
     <a:masterClrMapping/>
   </p:clrMapOvr>
-  <p:transition spd="slow">
-    <p:cut/>
-  </p:transition>
 </p:sld>
 </file>
 
@@ -9360,15 +9050,15 @@
           </a:bodyPr>
           <a:lstStyle/>
           <a:p>
-            <a:pPr lvl="0" rtl="0">
-              <a:spcBef>
-                <a:spcPts val="0"/>
-              </a:spcBef>
-              <a:buNone/>
-            </a:pPr>
-            <a:r>
-              <a:rPr lang="fr"/>
-              <a:t>Types de données</a:t>
+            <a:pPr lvl="0">
+              <a:spcBef>
+                <a:spcPts val="0"/>
+              </a:spcBef>
+              <a:buNone/>
+            </a:pPr>
+            <a:r>
+              <a:rPr lang="fr"/>
+              <a:t>NULL</a:t>
             </a:r>
           </a:p>
         </p:txBody>
@@ -9404,35 +9094,79 @@
             </a:pPr>
             <a:r>
               <a:rPr lang="fr"/>
-              <a:t>Qu'apporte le bon choix du type de donnés ?</a:t>
-            </a:r>
-          </a:p>
-          <a:p>
-            <a:pPr lvl="0" rtl="0">
-              <a:spcBef>
-                <a:spcPts val="0"/>
-              </a:spcBef>
-              <a:buNone/>
-            </a:pPr>
-            <a:r>
-              <a:t/>
-            </a:r>
-            <a:endParaRPr/>
-          </a:p>
-          <a:p>
-            <a:pPr lvl="0" rtl="0">
-              <a:spcBef>
-                <a:spcPts val="0"/>
-              </a:spcBef>
-              <a:buNone/>
-            </a:pPr>
-            <a:r>
-              <a:rPr lang="fr">
-                <a:solidFill>
-                  <a:srgbClr val="FF0000"/>
-                </a:solidFill>
-              </a:rPr>
-              <a:t>Moins d'espace disque, de mémoire, de cycles CPU et d'espace dans le cache du CPU.</a:t>
+              <a:t>Eviter NULL dès que possible !</a:t>
+            </a:r>
+          </a:p>
+          <a:p>
+            <a:pPr lvl="0" rtl="0">
+              <a:spcBef>
+                <a:spcPts val="0"/>
+              </a:spcBef>
+              <a:buNone/>
+            </a:pPr>
+            <a:r>
+              <a:t/>
+            </a:r>
+            <a:endParaRPr/>
+          </a:p>
+          <a:p>
+            <a:pPr lvl="0" rtl="0">
+              <a:spcBef>
+                <a:spcPts val="0"/>
+              </a:spcBef>
+              <a:buNone/>
+            </a:pPr>
+            <a:r>
+              <a:t/>
+            </a:r>
+            <a:endParaRPr/>
+          </a:p>
+          <a:p>
+            <a:pPr lvl="0" rtl="0">
+              <a:spcBef>
+                <a:spcPts val="0"/>
+              </a:spcBef>
+              <a:buNone/>
+            </a:pPr>
+            <a:r>
+              <a:rPr lang="fr"/>
+              <a:t>Ajoute 1 byte par entrée.</a:t>
+            </a:r>
+          </a:p>
+          <a:p>
+            <a:pPr lvl="0" rtl="0">
+              <a:spcBef>
+                <a:spcPts val="0"/>
+              </a:spcBef>
+              <a:buNone/>
+            </a:pPr>
+            <a:r>
+              <a:t/>
+            </a:r>
+            <a:endParaRPr/>
+          </a:p>
+          <a:p>
+            <a:pPr lvl="0" rtl="0">
+              <a:spcBef>
+                <a:spcPts val="0"/>
+              </a:spcBef>
+              <a:buNone/>
+            </a:pPr>
+            <a:r>
+              <a:t/>
+            </a:r>
+            <a:endParaRPr/>
+          </a:p>
+          <a:p>
+            <a:pPr lvl="0" rtl="0">
+              <a:spcBef>
+                <a:spcPts val="0"/>
+              </a:spcBef>
+              <a:buNone/>
+            </a:pPr>
+            <a:r>
+              <a:rPr lang="fr"/>
+              <a:t>Rend les index et les comparaisons plus complexes, donc l'optimisation des requêtes.</a:t>
             </a:r>
           </a:p>
         </p:txBody>
@@ -9442,9 +9176,6 @@
   <p:clrMapOvr>
     <a:masterClrMapping/>
   </p:clrMapOvr>
-  <p:transition spd="slow">
-    <p:cut/>
-  </p:transition>
 </p:sld>
 </file>
 
@@ -9470,33 +9201,33 @@
           <p:cNvPr id="193" name="Shape 193"/>
           <p:cNvSpPr txBox="1"/>
           <p:nvPr>
-            <p:ph type="title"/>
-          </p:nvPr>
-        </p:nvSpPr>
-        <p:spPr>
-          <a:xfrm>
-            <a:off x="457200" y="274637"/>
-            <a:ext cx="8229600" cy="1143299"/>
-          </a:xfrm>
-          <a:prstGeom prst="rect">
-            <a:avLst/>
-          </a:prstGeom>
-        </p:spPr>
-        <p:txBody>
-          <a:bodyPr anchorCtr="0" anchor="ctr" bIns="91425" lIns="91425" rIns="91425" tIns="91425">
+            <p:ph type="ctrTitle"/>
+          </p:nvPr>
+        </p:nvSpPr>
+        <p:spPr>
+          <a:xfrm>
+            <a:off x="685800" y="2329190"/>
+            <a:ext cx="7772400" cy="1650900"/>
+          </a:xfrm>
+          <a:prstGeom prst="rect">
+            <a:avLst/>
+          </a:prstGeom>
+        </p:spPr>
+        <p:txBody>
+          <a:bodyPr anchorCtr="0" anchor="b" bIns="91425" lIns="91425" rIns="91425" tIns="91425">
             <a:noAutofit/>
           </a:bodyPr>
           <a:lstStyle/>
           <a:p>
-            <a:pPr lvl="0">
-              <a:spcBef>
-                <a:spcPts val="0"/>
-              </a:spcBef>
-              <a:buNone/>
-            </a:pPr>
-            <a:r>
-              <a:rPr lang="fr"/>
-              <a:t>Les entiers</a:t>
+            <a:pPr lvl="0" rtl="0">
+              <a:spcBef>
+                <a:spcPts val="0"/>
+              </a:spcBef>
+              <a:buNone/>
+            </a:pPr>
+            <a:r>
+              <a:rPr lang="fr"/>
+              <a:t>Performances et requêtes</a:t>
             </a:r>
           </a:p>
         </p:txBody>
@@ -9506,13 +9237,13 @@
           <p:cNvPr id="194" name="Shape 194"/>
           <p:cNvSpPr txBox="1"/>
           <p:nvPr>
-            <p:ph idx="1" type="body"/>
-          </p:nvPr>
-        </p:nvSpPr>
-        <p:spPr>
-          <a:xfrm>
-            <a:off x="457200" y="1600200"/>
-            <a:ext cx="8229600" cy="4967700"/>
+            <p:ph idx="1" type="subTitle"/>
+          </p:nvPr>
+        </p:nvSpPr>
+        <p:spPr>
+          <a:xfrm>
+            <a:off x="685800" y="4124476"/>
+            <a:ext cx="7772400" cy="888899"/>
           </a:xfrm>
           <a:prstGeom prst="rect">
             <a:avLst/>
@@ -9532,55 +9263,7 @@
             </a:pPr>
             <a:r>
               <a:rPr lang="fr"/>
-              <a:t>TINYINT, SMALLINT, MEDIUMINT, INT, BIGINT codé respectivement sur 8, 16, 24, 32, 64 bits.</a:t>
-            </a:r>
-          </a:p>
-          <a:p>
-            <a:pPr lvl="0" rtl="0">
-              <a:spcBef>
-                <a:spcPts val="0"/>
-              </a:spcBef>
-              <a:buNone/>
-            </a:pPr>
-            <a:r>
-              <a:t/>
-            </a:r>
-            <a:endParaRPr/>
-          </a:p>
-          <a:p>
-            <a:pPr lvl="0" rtl="0">
-              <a:spcBef>
-                <a:spcPts val="0"/>
-              </a:spcBef>
-              <a:buNone/>
-            </a:pPr>
-            <a:r>
-              <a:rPr lang="fr"/>
-              <a:t>Peuvent être non signés (mot-clé UNSIGNED)</a:t>
-            </a:r>
-          </a:p>
-          <a:p>
-            <a:pPr lvl="0" rtl="0">
-              <a:spcBef>
-                <a:spcPts val="0"/>
-              </a:spcBef>
-              <a:buNone/>
-            </a:pPr>
-            <a:r>
-              <a:t/>
-            </a:r>
-            <a:endParaRPr/>
-          </a:p>
-          <a:p>
-            <a:pPr lvl="0">
-              <a:spcBef>
-                <a:spcPts val="0"/>
-              </a:spcBef>
-              <a:buNone/>
-            </a:pPr>
-            <a:r>
-              <a:rPr lang="fr"/>
-              <a:t>Quelles sont les différences entre INT(1) et INT(24) ?</a:t>
+              <a:t>Requêtes SQL et cache</a:t>
             </a:r>
           </a:p>
         </p:txBody>
@@ -9590,9 +9273,6 @@
   <p:clrMapOvr>
     <a:masterClrMapping/>
   </p:clrMapOvr>
-  <p:transition spd="slow">
-    <p:cut/>
-  </p:transition>
 </p:sld>
 </file>
 
@@ -9644,7 +9324,7 @@
             </a:pPr>
             <a:r>
               <a:rPr lang="fr"/>
-              <a:t>Le texte</a:t>
+              <a:t>Performances et requêtes</a:t>
             </a:r>
           </a:p>
         </p:txBody>
@@ -9680,56 +9360,56 @@
             </a:pPr>
             <a:r>
               <a:rPr lang="fr"/>
-              <a:t>Les implémentations des CHAR et VARCHAR varient avec le moteur de stockage.</a:t>
-            </a:r>
-          </a:p>
-          <a:p>
-            <a:pPr lvl="0" rtl="0">
-              <a:spcBef>
-                <a:spcPts val="0"/>
-              </a:spcBef>
-              <a:buNone/>
-            </a:pPr>
-            <a:r>
-              <a:t/>
-            </a:r>
-            <a:endParaRPr/>
-          </a:p>
-          <a:p>
-            <a:pPr lvl="0" rtl="0">
-              <a:spcBef>
-                <a:spcPts val="0"/>
-              </a:spcBef>
-              <a:buNone/>
-            </a:pPr>
-            <a:r>
-              <a:rPr lang="fr"/>
-              <a:t>CHAR : Taille fixe</a:t>
-            </a:r>
-          </a:p>
-          <a:p>
-            <a:pPr lvl="0" rtl="0">
-              <a:spcBef>
-                <a:spcPts val="0"/>
-              </a:spcBef>
-              <a:buNone/>
-            </a:pPr>
-            <a:r>
-              <a:t/>
-            </a:r>
-            <a:endParaRPr/>
-          </a:p>
-          <a:p>
-            <a:pPr lvl="0" rtl="0">
-              <a:spcBef>
-                <a:spcPts val="0"/>
-              </a:spcBef>
-              <a:buNone/>
-            </a:pPr>
-            <a:r>
-              <a:rPr lang="fr"/>
-              <a:t>VARCHAR : Taille variable</a:t>
-            </a:r>
+              <a:t>Récupérer plus de données que nécessaire.</a:t>
+            </a:r>
+          </a:p>
+          <a:p>
+            <a:pPr lvl="0" rtl="0">
+              <a:spcBef>
+                <a:spcPts val="0"/>
+              </a:spcBef>
+              <a:buNone/>
+            </a:pPr>
+            <a:r>
+              <a:t/>
+            </a:r>
+            <a:endParaRPr/>
+          </a:p>
+          <a:p>
+            <a:pPr lvl="0" rtl="0">
+              <a:spcBef>
+                <a:spcPts val="0"/>
+              </a:spcBef>
+              <a:buNone/>
+            </a:pPr>
+            <a:r>
+              <a:t/>
+            </a:r>
+            <a:endParaRPr/>
+          </a:p>
+          <a:p>
+            <a:pPr lvl="0" rtl="0">
+              <a:spcBef>
+                <a:spcPts val="0"/>
+              </a:spcBef>
+              <a:buNone/>
+            </a:pPr>
+            <a:r>
+              <a:rPr lang="fr"/>
+              <a:t>MySQL ne renvoie pas progressivement les lignes, mais un ResultSet complet !</a:t>
+            </a:r>
+          </a:p>
+          <a:p>
+            <a:pPr lvl="0" rtl="0">
+              <a:spcBef>
+                <a:spcPts val="0"/>
+              </a:spcBef>
+              <a:buNone/>
+            </a:pPr>
+            <a:r>
+              <a:t/>
+            </a:r>
+            <a:endParaRPr/>
           </a:p>
           <a:p>
             <a:pPr lvl="0" rtl="0">
@@ -9751,9 +9431,9 @@
               <a:buNone/>
             </a:pPr>
             <a:r>
-              <a:t/>
-            </a:r>
-            <a:endParaRPr/>
+              <a:rPr lang="fr"/>
+              <a:t>Comment réduire le nombre de lignes récupérées sans WHERE ?</a:t>
+            </a:r>
           </a:p>
         </p:txBody>
       </p:sp>
@@ -9762,9 +9442,6 @@
   <p:clrMapOvr>
     <a:masterClrMapping/>
   </p:clrMapOvr>
-  <p:transition spd="slow">
-    <p:cut/>
-  </p:transition>
 </p:sld>
 </file>
 
@@ -9816,7 +9493,7 @@
             </a:pPr>
             <a:r>
               <a:rPr lang="fr"/>
-              <a:t>VARCHAR	</a:t>
+              <a:t>Performances et requêtes</a:t>
             </a:r>
           </a:p>
         </p:txBody>
@@ -9852,79 +9529,79 @@
             </a:pPr>
             <a:r>
               <a:rPr lang="fr"/>
-              <a:t>Seul le nécessaire est persisté.</a:t>
-            </a:r>
-          </a:p>
-          <a:p>
-            <a:pPr lvl="0" rtl="0">
-              <a:spcBef>
-                <a:spcPts val="0"/>
-              </a:spcBef>
-              <a:buNone/>
-            </a:pPr>
-            <a:r>
-              <a:t/>
-            </a:r>
-            <a:endParaRPr/>
-          </a:p>
-          <a:p>
-            <a:pPr lvl="0" rtl="0">
-              <a:spcBef>
-                <a:spcPts val="0"/>
-              </a:spcBef>
-              <a:buNone/>
-            </a:pPr>
-            <a:r>
-              <a:t/>
-            </a:r>
-            <a:endParaRPr/>
-          </a:p>
-          <a:p>
-            <a:pPr lvl="0" rtl="0">
-              <a:spcBef>
-                <a:spcPts val="0"/>
-              </a:spcBef>
-              <a:buNone/>
-            </a:pPr>
-            <a:r>
-              <a:rPr lang="fr"/>
-              <a:t>Utilise entre 1 et 2 bytes pour stocker la taille.</a:t>
-            </a:r>
-          </a:p>
-          <a:p>
-            <a:pPr lvl="0" rtl="0">
-              <a:spcBef>
-                <a:spcPts val="0"/>
-              </a:spcBef>
-              <a:buNone/>
-            </a:pPr>
-            <a:r>
-              <a:t/>
-            </a:r>
-            <a:endParaRPr/>
-          </a:p>
-          <a:p>
-            <a:pPr lvl="0" rtl="0">
-              <a:spcBef>
-                <a:spcPts val="0"/>
-              </a:spcBef>
-              <a:buNone/>
-            </a:pPr>
-            <a:r>
-              <a:t/>
-            </a:r>
-            <a:endParaRPr/>
-          </a:p>
-          <a:p>
-            <a:pPr lvl="0" rtl="0">
-              <a:spcBef>
-                <a:spcPts val="0"/>
-              </a:spcBef>
-              <a:buNone/>
-            </a:pPr>
-            <a:r>
-              <a:rPr lang="fr"/>
-              <a:t>L'action associée au dépassement varie avec le moteur de stockage.</a:t>
+              <a:t>Récupérer toutes les colonnes lors d'une jointure multiple.</a:t>
+            </a:r>
+          </a:p>
+          <a:p>
+            <a:pPr lvl="0" rtl="0">
+              <a:spcBef>
+                <a:spcPts val="0"/>
+              </a:spcBef>
+              <a:buNone/>
+            </a:pPr>
+            <a:r>
+              <a:t/>
+            </a:r>
+            <a:endParaRPr/>
+          </a:p>
+          <a:p>
+            <a:pPr lvl="0" rtl="0">
+              <a:spcBef>
+                <a:spcPts val="0"/>
+              </a:spcBef>
+              <a:buNone/>
+            </a:pPr>
+            <a:r>
+              <a:t/>
+            </a:r>
+            <a:endParaRPr/>
+          </a:p>
+          <a:p>
+            <a:pPr lvl="0" rtl="0">
+              <a:spcBef>
+                <a:spcPts val="0"/>
+              </a:spcBef>
+              <a:buNone/>
+            </a:pPr>
+            <a:r>
+              <a:rPr lang="fr"/>
+              <a:t>Abuser du SELECT * est un crime !</a:t>
+            </a:r>
+          </a:p>
+          <a:p>
+            <a:pPr lvl="0" rtl="0">
+              <a:spcBef>
+                <a:spcPts val="0"/>
+              </a:spcBef>
+              <a:buNone/>
+            </a:pPr>
+            <a:r>
+              <a:t/>
+            </a:r>
+            <a:endParaRPr/>
+          </a:p>
+          <a:p>
+            <a:pPr lvl="0" rtl="0">
+              <a:spcBef>
+                <a:spcPts val="0"/>
+              </a:spcBef>
+              <a:buNone/>
+            </a:pPr>
+            <a:r>
+              <a:t/>
+            </a:r>
+            <a:endParaRPr/>
+          </a:p>
+          <a:p>
+            <a:pPr lvl="0">
+              <a:spcBef>
+                <a:spcPts val="0"/>
+              </a:spcBef>
+              <a:buNone/>
+            </a:pPr>
+            <a:r>
+              <a:rPr lang="fr"/>
+              <a:t>Pourquoi ne pas simplement récupérer les colonnes qui nous intéressent ?</a:t>
             </a:r>
           </a:p>
         </p:txBody>
@@ -9934,9 +9611,6 @@
   <p:clrMapOvr>
     <a:masterClrMapping/>
   </p:clrMapOvr>
-  <p:transition spd="slow">
-    <p:cut/>
-  </p:transition>
 </p:sld>
 </file>
 
@@ -9988,7 +9662,7 @@
             </a:pPr>
             <a:r>
               <a:rPr lang="fr"/>
-              <a:t>CHAR</a:t>
+              <a:t>Performances et requêtes</a:t>
             </a:r>
           </a:p>
         </p:txBody>
@@ -10024,56 +9698,56 @@
             </a:pPr>
             <a:r>
               <a:rPr lang="fr"/>
-              <a:t>Les espaces en fin de chaîne sont supprimés.</a:t>
-            </a:r>
-          </a:p>
-          <a:p>
-            <a:pPr lvl="0" rtl="0">
-              <a:spcBef>
-                <a:spcPts val="0"/>
-              </a:spcBef>
-              <a:buNone/>
-            </a:pPr>
-            <a:r>
-              <a:t/>
-            </a:r>
-            <a:endParaRPr/>
-          </a:p>
-          <a:p>
-            <a:pPr lvl="0" rtl="0">
-              <a:spcBef>
-                <a:spcPts val="0"/>
-              </a:spcBef>
-              <a:buNone/>
-            </a:pPr>
-            <a:r>
-              <a:t/>
-            </a:r>
-            <a:endParaRPr/>
-          </a:p>
-          <a:p>
-            <a:pPr lvl="0" rtl="0">
-              <a:spcBef>
-                <a:spcPts val="0"/>
-              </a:spcBef>
-              <a:buNone/>
-            </a:pPr>
-            <a:r>
-              <a:rPr lang="fr"/>
-              <a:t>Des espaces sont ajoutés à la fin pour la comparaison.</a:t>
-            </a:r>
-          </a:p>
-          <a:p>
-            <a:pPr lvl="0" rtl="0">
-              <a:spcBef>
-                <a:spcPts val="0"/>
-              </a:spcBef>
-              <a:buNone/>
-            </a:pPr>
-            <a:r>
-              <a:t/>
-            </a:r>
-            <a:endParaRPr/>
+              <a:t>Utiliser des requêtes préparées.</a:t>
+            </a:r>
+          </a:p>
+          <a:p>
+            <a:pPr lvl="0" rtl="0">
+              <a:spcBef>
+                <a:spcPts val="0"/>
+              </a:spcBef>
+              <a:buNone/>
+            </a:pPr>
+            <a:r>
+              <a:t/>
+            </a:r>
+            <a:endParaRPr/>
+          </a:p>
+          <a:p>
+            <a:pPr lvl="0" rtl="0">
+              <a:spcBef>
+                <a:spcPts val="0"/>
+              </a:spcBef>
+              <a:buNone/>
+            </a:pPr>
+            <a:r>
+              <a:rPr lang="fr"/>
+              <a:t>La requête n'est parsée et optimisée qu'une seule fois. Utilisation d'un protocole unique pour l'envoi des paramètres.</a:t>
+            </a:r>
+          </a:p>
+          <a:p>
+            <a:pPr lvl="0" rtl="0">
+              <a:spcBef>
+                <a:spcPts val="0"/>
+              </a:spcBef>
+              <a:buNone/>
+            </a:pPr>
+            <a:r>
+              <a:t/>
+            </a:r>
+            <a:endParaRPr/>
+          </a:p>
+          <a:p>
+            <a:pPr lvl="0" rtl="0">
+              <a:spcBef>
+                <a:spcPts val="0"/>
+              </a:spcBef>
+              <a:buNone/>
+            </a:pPr>
+            <a:r>
+              <a:rPr lang="fr"/>
+              <a:t>Propre à une connexion, inutile si appelée une seule fois, attention au leak !</a:t>
+            </a:r>
           </a:p>
           <a:p>
             <a:pPr lvl="0" rtl="0">
@@ -10095,9 +9769,9 @@
               <a:buNone/>
             </a:pPr>
             <a:r>
-              <a:rPr lang="fr"/>
-              <a:t>Efficace lorsque la taille est prédéfinie ou très faible.</a:t>
-            </a:r>
+              <a:t/>
+            </a:r>
+            <a:endParaRPr/>
           </a:p>
         </p:txBody>
       </p:sp>
@@ -10106,9 +9780,6 @@
   <p:clrMapOvr>
     <a:masterClrMapping/>
   </p:clrMapOvr>
-  <p:transition spd="slow">
-    <p:cut/>
-  </p:transition>
 </p:sld>
 </file>
 
@@ -10160,7 +9831,7 @@
             </a:pPr>
             <a:r>
               <a:rPr lang="fr"/>
-              <a:t>NULL</a:t>
+              <a:t>Performances et requêtes</a:t>
             </a:r>
           </a:p>
         </p:txBody>
@@ -10195,81 +9866,117 @@
               <a:buNone/>
             </a:pPr>
             <a:r>
-              <a:rPr lang="fr"/>
-              <a:t>Eviter NULL dès que possible !</a:t>
-            </a:r>
-          </a:p>
-          <a:p>
-            <a:pPr lvl="0" rtl="0">
-              <a:spcBef>
-                <a:spcPts val="0"/>
-              </a:spcBef>
-              <a:buNone/>
-            </a:pPr>
-            <a:r>
-              <a:t/>
-            </a:r>
-            <a:endParaRPr/>
-          </a:p>
-          <a:p>
-            <a:pPr lvl="0" rtl="0">
-              <a:spcBef>
-                <a:spcPts val="0"/>
-              </a:spcBef>
-              <a:buNone/>
-            </a:pPr>
-            <a:r>
-              <a:t/>
-            </a:r>
-            <a:endParaRPr/>
-          </a:p>
-          <a:p>
-            <a:pPr lvl="0" rtl="0">
-              <a:spcBef>
-                <a:spcPts val="0"/>
-              </a:spcBef>
-              <a:buNone/>
-            </a:pPr>
-            <a:r>
-              <a:rPr lang="fr"/>
-              <a:t>Ajoute 1 byte par entrée.</a:t>
-            </a:r>
-          </a:p>
-          <a:p>
-            <a:pPr lvl="0" rtl="0">
-              <a:spcBef>
-                <a:spcPts val="0"/>
-              </a:spcBef>
-              <a:buNone/>
-            </a:pPr>
-            <a:r>
-              <a:t/>
-            </a:r>
-            <a:endParaRPr/>
-          </a:p>
-          <a:p>
-            <a:pPr lvl="0" rtl="0">
-              <a:spcBef>
-                <a:spcPts val="0"/>
-              </a:spcBef>
-              <a:buNone/>
-            </a:pPr>
-            <a:r>
-              <a:t/>
-            </a:r>
-            <a:endParaRPr/>
-          </a:p>
-          <a:p>
-            <a:pPr lvl="0" rtl="0">
-              <a:spcBef>
-                <a:spcPts val="0"/>
-              </a:spcBef>
-              <a:buNone/>
-            </a:pPr>
-            <a:r>
-              <a:rPr lang="fr"/>
-              <a:t>Rend les index et les comparaisons plus complexes, donc l'optimisation des requêtes.</a:t>
-            </a:r>
+              <a:t/>
+            </a:r>
+            <a:endParaRPr/>
+          </a:p>
+          <a:p>
+            <a:pPr lvl="0" rtl="0">
+              <a:spcBef>
+                <a:spcPts val="0"/>
+              </a:spcBef>
+              <a:buNone/>
+            </a:pPr>
+            <a:r>
+              <a:rPr lang="fr"/>
+              <a:t>Compresser les données à travers le réseau.</a:t>
+            </a:r>
+          </a:p>
+          <a:p>
+            <a:pPr lvl="0" rtl="0">
+              <a:spcBef>
+                <a:spcPts val="0"/>
+              </a:spcBef>
+              <a:buNone/>
+            </a:pPr>
+            <a:r>
+              <a:t/>
+            </a:r>
+            <a:endParaRPr/>
+          </a:p>
+          <a:p>
+            <a:pPr lvl="0" rtl="0">
+              <a:spcBef>
+                <a:spcPts val="0"/>
+              </a:spcBef>
+              <a:buNone/>
+            </a:pPr>
+            <a:r>
+              <a:t/>
+            </a:r>
+            <a:endParaRPr/>
+          </a:p>
+          <a:p>
+            <a:pPr lvl="0" rtl="0">
+              <a:spcBef>
+                <a:spcPts val="0"/>
+              </a:spcBef>
+              <a:buNone/>
+            </a:pPr>
+            <a:r>
+              <a:rPr lang="fr"/>
+              <a:t>Via le shell : --compress</a:t>
+            </a:r>
+          </a:p>
+          <a:p>
+            <a:pPr lvl="0" rtl="0">
+              <a:spcBef>
+                <a:spcPts val="0"/>
+              </a:spcBef>
+              <a:buNone/>
+            </a:pPr>
+            <a:r>
+              <a:t/>
+            </a:r>
+            <a:endParaRPr/>
+          </a:p>
+          <a:p>
+            <a:pPr lvl="0" rtl="0">
+              <a:spcBef>
+                <a:spcPts val="0"/>
+              </a:spcBef>
+              <a:buNone/>
+            </a:pPr>
+            <a:r>
+              <a:t/>
+            </a:r>
+            <a:endParaRPr/>
+          </a:p>
+          <a:p>
+            <a:pPr lvl="0" rtl="0">
+              <a:spcBef>
+                <a:spcPts val="0"/>
+              </a:spcBef>
+              <a:buNone/>
+            </a:pPr>
+            <a:r>
+              <a:rPr lang="fr"/>
+              <a:t>Via JDBC : &lt;db_name&gt;?useCompression=true</a:t>
+            </a:r>
+          </a:p>
+          <a:p>
+            <a:pPr lvl="0" rtl="0">
+              <a:spcBef>
+                <a:spcPts val="0"/>
+              </a:spcBef>
+              <a:buNone/>
+            </a:pPr>
+            <a:r>
+              <a:t/>
+            </a:r>
+            <a:endParaRPr/>
+          </a:p>
+          <a:p>
+            <a:pPr lvl="0" rtl="0">
+              <a:spcBef>
+                <a:spcPts val="0"/>
+              </a:spcBef>
+              <a:buNone/>
+            </a:pPr>
+            <a:r>
+              <a:t/>
+            </a:r>
+            <a:endParaRPr/>
           </a:p>
         </p:txBody>
       </p:sp>
@@ -10278,9 +9985,6 @@
   <p:clrMapOvr>
     <a:masterClrMapping/>
   </p:clrMapOvr>
-  <p:transition spd="slow">
-    <p:cut/>
-  </p:transition>
 </p:sld>
 </file>
 
@@ -10450,9 +10154,6 @@
   <p:clrMapOvr>
     <a:masterClrMapping/>
   </p:clrMapOvr>
-  <p:transition spd="slow">
-    <p:cut/>
-  </p:transition>
 </p:sld>
 </file>
 
@@ -10478,25 +10179,25 @@
           <p:cNvPr id="223" name="Shape 223"/>
           <p:cNvSpPr txBox="1"/>
           <p:nvPr>
-            <p:ph type="ctrTitle"/>
-          </p:nvPr>
-        </p:nvSpPr>
-        <p:spPr>
-          <a:xfrm>
-            <a:off x="685800" y="2329190"/>
-            <a:ext cx="7772400" cy="1650900"/>
-          </a:xfrm>
-          <a:prstGeom prst="rect">
-            <a:avLst/>
-          </a:prstGeom>
-        </p:spPr>
-        <p:txBody>
-          <a:bodyPr anchorCtr="0" anchor="b" bIns="91425" lIns="91425" rIns="91425" tIns="91425">
+            <p:ph type="title"/>
+          </p:nvPr>
+        </p:nvSpPr>
+        <p:spPr>
+          <a:xfrm>
+            <a:off x="457200" y="274637"/>
+            <a:ext cx="8229600" cy="1143299"/>
+          </a:xfrm>
+          <a:prstGeom prst="rect">
+            <a:avLst/>
+          </a:prstGeom>
+        </p:spPr>
+        <p:txBody>
+          <a:bodyPr anchorCtr="0" anchor="ctr" bIns="91425" lIns="91425" rIns="91425" tIns="91425">
             <a:noAutofit/>
           </a:bodyPr>
           <a:lstStyle/>
           <a:p>
-            <a:pPr lvl="0" rtl="0">
+            <a:pPr lvl="0">
               <a:spcBef>
                 <a:spcPts val="0"/>
               </a:spcBef>
@@ -10514,13 +10215,13 @@
           <p:cNvPr id="224" name="Shape 224"/>
           <p:cNvSpPr txBox="1"/>
           <p:nvPr>
-            <p:ph idx="1" type="subTitle"/>
-          </p:nvPr>
-        </p:nvSpPr>
-        <p:spPr>
-          <a:xfrm>
-            <a:off x="685800" y="4124476"/>
-            <a:ext cx="7772400" cy="888899"/>
+            <p:ph idx="1" type="body"/>
+          </p:nvPr>
+        </p:nvSpPr>
+        <p:spPr>
+          <a:xfrm>
+            <a:off x="457200" y="1600200"/>
+            <a:ext cx="8229600" cy="4967700"/>
           </a:xfrm>
           <a:prstGeom prst="rect">
             <a:avLst/>
@@ -10540,7 +10241,79 @@
             </a:pPr>
             <a:r>
               <a:rPr lang="fr"/>
-              <a:t>Requêtes SQL et cache</a:t>
+              <a:t>Plein de requêtes VS requêtes complexes.</a:t>
+            </a:r>
+          </a:p>
+          <a:p>
+            <a:pPr lvl="0" rtl="0">
+              <a:spcBef>
+                <a:spcPts val="0"/>
+              </a:spcBef>
+              <a:buNone/>
+            </a:pPr>
+            <a:r>
+              <a:t/>
+            </a:r>
+            <a:endParaRPr/>
+          </a:p>
+          <a:p>
+            <a:pPr lvl="0" rtl="0">
+              <a:spcBef>
+                <a:spcPts val="0"/>
+              </a:spcBef>
+              <a:buNone/>
+            </a:pPr>
+            <a:r>
+              <a:t/>
+            </a:r>
+            <a:endParaRPr/>
+          </a:p>
+          <a:p>
+            <a:pPr lvl="0" rtl="0">
+              <a:spcBef>
+                <a:spcPts val="0"/>
+              </a:spcBef>
+              <a:buNone/>
+            </a:pPr>
+            <a:r>
+              <a:rPr lang="fr"/>
+              <a:t>MySQL a été pensé pour gérer rapidement les petites requêtes.</a:t>
+            </a:r>
+          </a:p>
+          <a:p>
+            <a:pPr lvl="0" rtl="0">
+              <a:spcBef>
+                <a:spcPts val="0"/>
+              </a:spcBef>
+              <a:buNone/>
+            </a:pPr>
+            <a:r>
+              <a:t/>
+            </a:r>
+            <a:endParaRPr/>
+          </a:p>
+          <a:p>
+            <a:pPr lvl="0" rtl="0">
+              <a:spcBef>
+                <a:spcPts val="0"/>
+              </a:spcBef>
+              <a:buNone/>
+            </a:pPr>
+            <a:r>
+              <a:t/>
+            </a:r>
+            <a:endParaRPr/>
+          </a:p>
+          <a:p>
+            <a:pPr lvl="0">
+              <a:spcBef>
+                <a:spcPts val="0"/>
+              </a:spcBef>
+              <a:buNone/>
+            </a:pPr>
+            <a:r>
+              <a:rPr lang="fr"/>
+              <a:t>Penser au cache ...</a:t>
             </a:r>
           </a:p>
         </p:txBody>
@@ -10550,9 +10323,6 @@
   <p:clrMapOvr>
     <a:masterClrMapping/>
   </p:clrMapOvr>
-  <p:transition spd="slow">
-    <p:cut/>
-  </p:transition>
 </p:sld>
 </file>
 
@@ -10640,43 +10410,43 @@
             </a:pPr>
             <a:r>
               <a:rPr lang="fr"/>
-              <a:t>Récupérer plus de données que nécessaire.</a:t>
-            </a:r>
-          </a:p>
-          <a:p>
-            <a:pPr lvl="0" rtl="0">
-              <a:spcBef>
-                <a:spcPts val="0"/>
-              </a:spcBef>
-              <a:buNone/>
-            </a:pPr>
-            <a:r>
-              <a:t/>
-            </a:r>
-            <a:endParaRPr/>
-          </a:p>
-          <a:p>
-            <a:pPr lvl="0" rtl="0">
-              <a:spcBef>
-                <a:spcPts val="0"/>
-              </a:spcBef>
-              <a:buNone/>
-            </a:pPr>
-            <a:r>
-              <a:t/>
-            </a:r>
-            <a:endParaRPr/>
-          </a:p>
-          <a:p>
-            <a:pPr lvl="0" rtl="0">
-              <a:spcBef>
-                <a:spcPts val="0"/>
-              </a:spcBef>
-              <a:buNone/>
-            </a:pPr>
-            <a:r>
-              <a:rPr lang="fr"/>
-              <a:t>MySQL ne renvoie pas progressivement les lignes, mais un ResultSet complet !</a:t>
+              <a:t>MySQL met en cache les requêtes de sélection.</a:t>
+            </a:r>
+          </a:p>
+          <a:p>
+            <a:pPr lvl="0" rtl="0">
+              <a:spcBef>
+                <a:spcPts val="0"/>
+              </a:spcBef>
+              <a:buNone/>
+            </a:pPr>
+            <a:r>
+              <a:t/>
+            </a:r>
+            <a:endParaRPr/>
+          </a:p>
+          <a:p>
+            <a:pPr lvl="0" rtl="0">
+              <a:spcBef>
+                <a:spcPts val="0"/>
+              </a:spcBef>
+              <a:buNone/>
+            </a:pPr>
+            <a:r>
+              <a:t/>
+            </a:r>
+            <a:endParaRPr/>
+          </a:p>
+          <a:p>
+            <a:pPr lvl="0" rtl="0">
+              <a:spcBef>
+                <a:spcPts val="0"/>
+              </a:spcBef>
+              <a:buNone/>
+            </a:pPr>
+            <a:r>
+              <a:rPr lang="fr"/>
+              <a:t>Attention aux requêtes ne pouvant être mises en cache ! (NOW, CURRENT_DATE).</a:t>
             </a:r>
           </a:p>
           <a:p>
@@ -10712,7 +10482,7 @@
             </a:pPr>
             <a:r>
               <a:rPr lang="fr"/>
-              <a:t>Comment réduire le nombre de lignes récupérées sans WHERE ?</a:t>
+              <a:t>Cache entièrement paramétrable</a:t>
             </a:r>
           </a:p>
         </p:txBody>
@@ -10722,9 +10492,6 @@
   <p:clrMapOvr>
     <a:masterClrMapping/>
   </p:clrMapOvr>
-  <p:transition spd="slow">
-    <p:cut/>
-  </p:transition>
 </p:sld>
 </file>
 
@@ -10812,56 +10579,44 @@
             </a:pPr>
             <a:r>
               <a:rPr lang="fr"/>
-              <a:t>Récupérer toutes les colonnes lors d'une jointure multiple.</a:t>
-            </a:r>
-          </a:p>
-          <a:p>
-            <a:pPr lvl="0" rtl="0">
-              <a:spcBef>
-                <a:spcPts val="0"/>
-              </a:spcBef>
-              <a:buNone/>
-            </a:pPr>
-            <a:r>
-              <a:t/>
-            </a:r>
-            <a:endParaRPr/>
-          </a:p>
-          <a:p>
-            <a:pPr lvl="0" rtl="0">
-              <a:spcBef>
-                <a:spcPts val="0"/>
-              </a:spcBef>
-              <a:buNone/>
-            </a:pPr>
-            <a:r>
-              <a:t/>
-            </a:r>
-            <a:endParaRPr/>
-          </a:p>
-          <a:p>
-            <a:pPr lvl="0" rtl="0">
-              <a:spcBef>
-                <a:spcPts val="0"/>
-              </a:spcBef>
-              <a:buNone/>
-            </a:pPr>
-            <a:r>
-              <a:rPr lang="fr"/>
-              <a:t>Abuser du SELECT * est un crime !</a:t>
-            </a:r>
-          </a:p>
-          <a:p>
-            <a:pPr lvl="0" rtl="0">
-              <a:spcBef>
-                <a:spcPts val="0"/>
-              </a:spcBef>
-              <a:buNone/>
-            </a:pPr>
-            <a:r>
-              <a:t/>
-            </a:r>
-            <a:endParaRPr/>
+              <a:t>Lors de la réception d'une requête, si celle-ci commence par "SEL", on regarde le cache.</a:t>
+            </a:r>
+          </a:p>
+          <a:p>
+            <a:pPr lvl="0" rtl="0">
+              <a:spcBef>
+                <a:spcPts val="0"/>
+              </a:spcBef>
+              <a:buNone/>
+            </a:pPr>
+            <a:r>
+              <a:t/>
+            </a:r>
+            <a:endParaRPr/>
+          </a:p>
+          <a:p>
+            <a:pPr lvl="0" rtl="0">
+              <a:spcBef>
+                <a:spcPts val="0"/>
+              </a:spcBef>
+              <a:buNone/>
+            </a:pPr>
+            <a:r>
+              <a:t/>
+            </a:r>
+            <a:endParaRPr/>
+          </a:p>
+          <a:p>
+            <a:pPr lvl="0" rtl="0">
+              <a:spcBef>
+                <a:spcPts val="0"/>
+              </a:spcBef>
+              <a:buNone/>
+            </a:pPr>
+            <a:r>
+              <a:rPr lang="fr"/>
+              <a:t>Comment s'effectue la recherche dans le cache ?</a:t>
+            </a:r>
           </a:p>
           <a:p>
             <a:pPr lvl="0" rtl="0">
@@ -10884,7 +10639,7 @@
             </a:pPr>
             <a:r>
               <a:rPr lang="fr"/>
-              <a:t>Pourquoi ne pas simplement récupérer les colonnes qui nous intéressent ?</a:t>
+              <a:t>Est-ce toujours pertinent d'utiliser le cache ?</a:t>
             </a:r>
           </a:p>
         </p:txBody>
@@ -10894,9 +10649,6 @@
   <p:clrMapOvr>
     <a:masterClrMapping/>
   </p:clrMapOvr>
-  <p:transition spd="slow">
-    <p:cut/>
-  </p:transition>
 </p:sld>
 </file>
 
@@ -10984,55 +10736,31 @@
             </a:pPr>
             <a:r>
               <a:rPr lang="fr"/>
-              <a:t>Utiliser des requêtes préparées.</a:t>
-            </a:r>
-          </a:p>
-          <a:p>
-            <a:pPr lvl="0" rtl="0">
-              <a:spcBef>
-                <a:spcPts val="0"/>
-              </a:spcBef>
-              <a:buNone/>
-            </a:pPr>
-            <a:r>
-              <a:t/>
-            </a:r>
-            <a:endParaRPr/>
-          </a:p>
-          <a:p>
-            <a:pPr lvl="0" rtl="0">
-              <a:spcBef>
-                <a:spcPts val="0"/>
-              </a:spcBef>
-              <a:buNone/>
-            </a:pPr>
-            <a:r>
-              <a:rPr lang="fr"/>
-              <a:t>La requête n'est parsée et optimisée qu'une seule fois. Utilisation d'un protocole unique pour l'envoi des paramètres.</a:t>
-            </a:r>
-          </a:p>
-          <a:p>
-            <a:pPr lvl="0" rtl="0">
-              <a:spcBef>
-                <a:spcPts val="0"/>
-              </a:spcBef>
-              <a:buNone/>
-            </a:pPr>
-            <a:r>
-              <a:t/>
-            </a:r>
-            <a:endParaRPr/>
-          </a:p>
-          <a:p>
-            <a:pPr lvl="0" rtl="0">
-              <a:spcBef>
-                <a:spcPts val="0"/>
-              </a:spcBef>
-              <a:buNone/>
-            </a:pPr>
-            <a:r>
-              <a:rPr lang="fr"/>
-              <a:t>Propre à une connexion, inutile si appelée une seule fois, attention au leak !</a:t>
+              <a:t>SQL_CACHE / SQL_NO_CACHE : Force la requête à être mise en cache, ou non.</a:t>
+            </a:r>
+          </a:p>
+          <a:p>
+            <a:pPr lvl="0" rtl="0">
+              <a:spcBef>
+                <a:spcPts val="0"/>
+              </a:spcBef>
+              <a:buNone/>
+            </a:pPr>
+            <a:r>
+              <a:t/>
+            </a:r>
+            <a:endParaRPr/>
+          </a:p>
+          <a:p>
+            <a:pPr lvl="0" rtl="0">
+              <a:spcBef>
+                <a:spcPts val="0"/>
+              </a:spcBef>
+              <a:buNone/>
+            </a:pPr>
+            <a:r>
+              <a:rPr lang="fr"/>
+              <a:t>EXPLAIN : Renvoie les informations sur le plan d'exécution</a:t>
             </a:r>
           </a:p>
           <a:p>
@@ -11055,9 +10783,9 @@
               <a:buNone/>
             </a:pPr>
             <a:r>
-              <a:t/>
-            </a:r>
-            <a:endParaRPr/>
+              <a:rPr lang="fr"/>
+              <a:t>DESCRIBE : Décrit une table d'une base de données</a:t>
+            </a:r>
           </a:p>
         </p:txBody>
       </p:sp>
@@ -11066,9 +10794,6 @@
   <p:clrMapOvr>
     <a:masterClrMapping/>
   </p:clrMapOvr>
-  <p:transition spd="slow">
-    <p:cut/>
-  </p:transition>
 </p:sld>
 </file>
 
@@ -11120,7 +10845,7 @@
             </a:pPr>
             <a:r>
               <a:rPr lang="fr"/>
-              <a:t>Performances et requêtes</a:t>
+              <a:t>Conclusion</a:t>
             </a:r>
           </a:p>
         </p:txBody>
@@ -11155,117 +10880,57 @@
               <a:buNone/>
             </a:pPr>
             <a:r>
-              <a:t/>
-            </a:r>
-            <a:endParaRPr/>
-          </a:p>
-          <a:p>
-            <a:pPr lvl="0" rtl="0">
-              <a:spcBef>
-                <a:spcPts val="0"/>
-              </a:spcBef>
-              <a:buNone/>
-            </a:pPr>
-            <a:r>
-              <a:rPr lang="fr"/>
-              <a:t>Compresser les données à travers le réseau.</a:t>
-            </a:r>
-          </a:p>
-          <a:p>
-            <a:pPr lvl="0" rtl="0">
-              <a:spcBef>
-                <a:spcPts val="0"/>
-              </a:spcBef>
-              <a:buNone/>
-            </a:pPr>
-            <a:r>
-              <a:t/>
-            </a:r>
-            <a:endParaRPr/>
-          </a:p>
-          <a:p>
-            <a:pPr lvl="0" rtl="0">
-              <a:spcBef>
-                <a:spcPts val="0"/>
-              </a:spcBef>
-              <a:buNone/>
-            </a:pPr>
-            <a:r>
-              <a:t/>
-            </a:r>
-            <a:endParaRPr/>
-          </a:p>
-          <a:p>
-            <a:pPr lvl="0" rtl="0">
-              <a:spcBef>
-                <a:spcPts val="0"/>
-              </a:spcBef>
-              <a:buNone/>
-            </a:pPr>
-            <a:r>
-              <a:rPr lang="fr"/>
-              <a:t>Via le shell : --compress</a:t>
-            </a:r>
-          </a:p>
-          <a:p>
-            <a:pPr lvl="0" rtl="0">
-              <a:spcBef>
-                <a:spcPts val="0"/>
-              </a:spcBef>
-              <a:buNone/>
-            </a:pPr>
-            <a:r>
-              <a:t/>
-            </a:r>
-            <a:endParaRPr/>
-          </a:p>
-          <a:p>
-            <a:pPr lvl="0" rtl="0">
-              <a:spcBef>
-                <a:spcPts val="0"/>
-              </a:spcBef>
-              <a:buNone/>
-            </a:pPr>
-            <a:r>
-              <a:t/>
-            </a:r>
-            <a:endParaRPr/>
-          </a:p>
-          <a:p>
-            <a:pPr lvl="0" rtl="0">
-              <a:spcBef>
-                <a:spcPts val="0"/>
-              </a:spcBef>
-              <a:buNone/>
-            </a:pPr>
-            <a:r>
-              <a:rPr lang="fr"/>
-              <a:t>Via JDBC : &lt;db_name&gt;?useCompression=true</a:t>
-            </a:r>
-          </a:p>
-          <a:p>
-            <a:pPr lvl="0" rtl="0">
-              <a:spcBef>
-                <a:spcPts val="0"/>
-              </a:spcBef>
-              <a:buNone/>
-            </a:pPr>
-            <a:r>
-              <a:t/>
-            </a:r>
-            <a:endParaRPr/>
-          </a:p>
-          <a:p>
-            <a:pPr lvl="0" rtl="0">
-              <a:spcBef>
-                <a:spcPts val="0"/>
-              </a:spcBef>
-              <a:buNone/>
-            </a:pPr>
-            <a:r>
-              <a:t/>
-            </a:r>
-            <a:endParaRPr/>
+              <a:rPr lang="fr"/>
+              <a:t>L'optimisation d'une application commence par son SGBD !</a:t>
+            </a:r>
+          </a:p>
+          <a:p>
+            <a:pPr lvl="0" rtl="0">
+              <a:spcBef>
+                <a:spcPts val="0"/>
+              </a:spcBef>
+              <a:buNone/>
+            </a:pPr>
+            <a:r>
+              <a:t/>
+            </a:r>
+            <a:endParaRPr/>
+          </a:p>
+          <a:p>
+            <a:pPr lvl="0" rtl="0">
+              <a:spcBef>
+                <a:spcPts val="0"/>
+              </a:spcBef>
+              <a:buNone/>
+            </a:pPr>
+            <a:r>
+              <a:rPr lang="fr"/>
+              <a:t>MySQL est un produit complet et souple grâce à ses moteurs de stockage.</a:t>
+            </a:r>
+          </a:p>
+          <a:p>
+            <a:pPr lvl="0" rtl="0">
+              <a:spcBef>
+                <a:spcPts val="0"/>
+              </a:spcBef>
+              <a:buNone/>
+            </a:pPr>
+            <a:r>
+              <a:t/>
+            </a:r>
+            <a:endParaRPr/>
+          </a:p>
+          <a:p>
+            <a:pPr lvl="0" rtl="0">
+              <a:spcBef>
+                <a:spcPts val="0"/>
+              </a:spcBef>
+              <a:buNone/>
+            </a:pPr>
+            <a:r>
+              <a:rPr lang="fr"/>
+              <a:t>Utilisé par les grands du Web (Twitter, Facebook, ...)</a:t>
+            </a:r>
           </a:p>
         </p:txBody>
       </p:sp>
@@ -11274,809 +10939,6 @@
   <p:clrMapOvr>
     <a:masterClrMapping/>
   </p:clrMapOvr>
-  <p:transition spd="slow">
-    <p:cut/>
-  </p:transition>
-</p:sld>
-</file>
-
-<file path=ppt/slides/slide35.xml><?xml version="1.0" encoding="utf-8"?>
-<p:sld xmlns:a="http://schemas.openxmlformats.org/drawingml/2006/main" xmlns:r="http://schemas.openxmlformats.org/officeDocument/2006/relationships" xmlns:mc="http://schemas.openxmlformats.org/markup-compatibility/2006" xmlns:mv="urn:schemas-microsoft-com:mac:vml" xmlns:p="http://schemas.openxmlformats.org/presentationml/2006/main" xmlns:c="http://schemas.openxmlformats.org/drawingml/2006/chart" xmlns:dgm="http://schemas.openxmlformats.org/drawingml/2006/diagram" xmlns:o="urn:schemas-microsoft-com:office:office" xmlns:v="urn:schemas-microsoft-com:vml" xmlns:pvml="urn:schemas-microsoft-com:office:powerpoint" xmlns:com="http://schemas.openxmlformats.org/drawingml/2006/compatibility" xmlns:p14="http://schemas.microsoft.com/office/powerpoint/2010/main">
-  <p:cSld>
-    <p:spTree>
-      <p:nvGrpSpPr>
-        <p:cNvPr id="252" name="Shape 252"/>
-        <p:cNvGrpSpPr/>
-        <p:nvPr/>
-      </p:nvGrpSpPr>
-      <p:grpSpPr>
-        <a:xfrm>
-          <a:off x="0" y="0"/>
-          <a:ext cx="0" cy="0"/>
-          <a:chOff x="0" y="0"/>
-          <a:chExt cx="0" cy="0"/>
-        </a:xfrm>
-      </p:grpSpPr>
-      <p:sp>
-        <p:nvSpPr>
-          <p:cNvPr id="253" name="Shape 253"/>
-          <p:cNvSpPr txBox="1"/>
-          <p:nvPr>
-            <p:ph type="title"/>
-          </p:nvPr>
-        </p:nvSpPr>
-        <p:spPr>
-          <a:xfrm>
-            <a:off x="457200" y="274637"/>
-            <a:ext cx="8229600" cy="1143299"/>
-          </a:xfrm>
-          <a:prstGeom prst="rect">
-            <a:avLst/>
-          </a:prstGeom>
-        </p:spPr>
-        <p:txBody>
-          <a:bodyPr anchorCtr="0" anchor="ctr" bIns="91425" lIns="91425" rIns="91425" tIns="91425">
-            <a:noAutofit/>
-          </a:bodyPr>
-          <a:lstStyle/>
-          <a:p>
-            <a:pPr lvl="0">
-              <a:spcBef>
-                <a:spcPts val="0"/>
-              </a:spcBef>
-              <a:buNone/>
-            </a:pPr>
-            <a:r>
-              <a:rPr lang="fr"/>
-              <a:t>Performances et requêtes</a:t>
-            </a:r>
-          </a:p>
-        </p:txBody>
-      </p:sp>
-      <p:sp>
-        <p:nvSpPr>
-          <p:cNvPr id="254" name="Shape 254"/>
-          <p:cNvSpPr txBox="1"/>
-          <p:nvPr>
-            <p:ph idx="1" type="body"/>
-          </p:nvPr>
-        </p:nvSpPr>
-        <p:spPr>
-          <a:xfrm>
-            <a:off x="457200" y="1600200"/>
-            <a:ext cx="8229600" cy="4967700"/>
-          </a:xfrm>
-          <a:prstGeom prst="rect">
-            <a:avLst/>
-          </a:prstGeom>
-        </p:spPr>
-        <p:txBody>
-          <a:bodyPr anchorCtr="0" anchor="t" bIns="91425" lIns="91425" rIns="91425" tIns="91425">
-            <a:noAutofit/>
-          </a:bodyPr>
-          <a:lstStyle/>
-          <a:p>
-            <a:pPr lvl="0" rtl="0">
-              <a:spcBef>
-                <a:spcPts val="0"/>
-              </a:spcBef>
-              <a:buNone/>
-            </a:pPr>
-            <a:r>
-              <a:rPr lang="fr"/>
-              <a:t>Plein de requêtes VS requêtes complexes.</a:t>
-            </a:r>
-          </a:p>
-          <a:p>
-            <a:pPr lvl="0" rtl="0">
-              <a:spcBef>
-                <a:spcPts val="0"/>
-              </a:spcBef>
-              <a:buNone/>
-            </a:pPr>
-            <a:r>
-              <a:t/>
-            </a:r>
-            <a:endParaRPr/>
-          </a:p>
-          <a:p>
-            <a:pPr lvl="0" rtl="0">
-              <a:spcBef>
-                <a:spcPts val="0"/>
-              </a:spcBef>
-              <a:buNone/>
-            </a:pPr>
-            <a:r>
-              <a:t/>
-            </a:r>
-            <a:endParaRPr/>
-          </a:p>
-          <a:p>
-            <a:pPr lvl="0" rtl="0">
-              <a:spcBef>
-                <a:spcPts val="0"/>
-              </a:spcBef>
-              <a:buNone/>
-            </a:pPr>
-            <a:r>
-              <a:rPr lang="fr"/>
-              <a:t>MySQL a été pensé pour gérer rapidement les petites requêtes.</a:t>
-            </a:r>
-          </a:p>
-          <a:p>
-            <a:pPr lvl="0" rtl="0">
-              <a:spcBef>
-                <a:spcPts val="0"/>
-              </a:spcBef>
-              <a:buNone/>
-            </a:pPr>
-            <a:r>
-              <a:t/>
-            </a:r>
-            <a:endParaRPr/>
-          </a:p>
-          <a:p>
-            <a:pPr lvl="0" rtl="0">
-              <a:spcBef>
-                <a:spcPts val="0"/>
-              </a:spcBef>
-              <a:buNone/>
-            </a:pPr>
-            <a:r>
-              <a:t/>
-            </a:r>
-            <a:endParaRPr/>
-          </a:p>
-          <a:p>
-            <a:pPr lvl="0">
-              <a:spcBef>
-                <a:spcPts val="0"/>
-              </a:spcBef>
-              <a:buNone/>
-            </a:pPr>
-            <a:r>
-              <a:rPr lang="fr"/>
-              <a:t>Penser au cache ...</a:t>
-            </a:r>
-          </a:p>
-        </p:txBody>
-      </p:sp>
-    </p:spTree>
-  </p:cSld>
-  <p:clrMapOvr>
-    <a:masterClrMapping/>
-  </p:clrMapOvr>
-  <p:transition spd="slow">
-    <p:cut/>
-  </p:transition>
-</p:sld>
-</file>
-
-<file path=ppt/slides/slide36.xml><?xml version="1.0" encoding="utf-8"?>
-<p:sld xmlns:a="http://schemas.openxmlformats.org/drawingml/2006/main" xmlns:r="http://schemas.openxmlformats.org/officeDocument/2006/relationships" xmlns:mc="http://schemas.openxmlformats.org/markup-compatibility/2006" xmlns:mv="urn:schemas-microsoft-com:mac:vml" xmlns:p="http://schemas.openxmlformats.org/presentationml/2006/main" xmlns:c="http://schemas.openxmlformats.org/drawingml/2006/chart" xmlns:dgm="http://schemas.openxmlformats.org/drawingml/2006/diagram" xmlns:o="urn:schemas-microsoft-com:office:office" xmlns:v="urn:schemas-microsoft-com:vml" xmlns:pvml="urn:schemas-microsoft-com:office:powerpoint" xmlns:com="http://schemas.openxmlformats.org/drawingml/2006/compatibility" xmlns:p14="http://schemas.microsoft.com/office/powerpoint/2010/main">
-  <p:cSld>
-    <p:spTree>
-      <p:nvGrpSpPr>
-        <p:cNvPr id="258" name="Shape 258"/>
-        <p:cNvGrpSpPr/>
-        <p:nvPr/>
-      </p:nvGrpSpPr>
-      <p:grpSpPr>
-        <a:xfrm>
-          <a:off x="0" y="0"/>
-          <a:ext cx="0" cy="0"/>
-          <a:chOff x="0" y="0"/>
-          <a:chExt cx="0" cy="0"/>
-        </a:xfrm>
-      </p:grpSpPr>
-      <p:sp>
-        <p:nvSpPr>
-          <p:cNvPr id="259" name="Shape 259"/>
-          <p:cNvSpPr txBox="1"/>
-          <p:nvPr>
-            <p:ph type="title"/>
-          </p:nvPr>
-        </p:nvSpPr>
-        <p:spPr>
-          <a:xfrm>
-            <a:off x="457200" y="274637"/>
-            <a:ext cx="8229600" cy="1143299"/>
-          </a:xfrm>
-          <a:prstGeom prst="rect">
-            <a:avLst/>
-          </a:prstGeom>
-        </p:spPr>
-        <p:txBody>
-          <a:bodyPr anchorCtr="0" anchor="ctr" bIns="91425" lIns="91425" rIns="91425" tIns="91425">
-            <a:noAutofit/>
-          </a:bodyPr>
-          <a:lstStyle/>
-          <a:p>
-            <a:pPr lvl="0">
-              <a:spcBef>
-                <a:spcPts val="0"/>
-              </a:spcBef>
-              <a:buNone/>
-            </a:pPr>
-            <a:r>
-              <a:rPr lang="fr"/>
-              <a:t>Performances et requêtes</a:t>
-            </a:r>
-          </a:p>
-        </p:txBody>
-      </p:sp>
-      <p:sp>
-        <p:nvSpPr>
-          <p:cNvPr id="260" name="Shape 260"/>
-          <p:cNvSpPr txBox="1"/>
-          <p:nvPr>
-            <p:ph idx="1" type="body"/>
-          </p:nvPr>
-        </p:nvSpPr>
-        <p:spPr>
-          <a:xfrm>
-            <a:off x="457200" y="1600200"/>
-            <a:ext cx="8229600" cy="4967700"/>
-          </a:xfrm>
-          <a:prstGeom prst="rect">
-            <a:avLst/>
-          </a:prstGeom>
-        </p:spPr>
-        <p:txBody>
-          <a:bodyPr anchorCtr="0" anchor="t" bIns="91425" lIns="91425" rIns="91425" tIns="91425">
-            <a:noAutofit/>
-          </a:bodyPr>
-          <a:lstStyle/>
-          <a:p>
-            <a:pPr lvl="0" rtl="0">
-              <a:spcBef>
-                <a:spcPts val="0"/>
-              </a:spcBef>
-              <a:buNone/>
-            </a:pPr>
-            <a:r>
-              <a:rPr lang="fr"/>
-              <a:t>MySQL met en cache les requêtes de sélection.</a:t>
-            </a:r>
-          </a:p>
-          <a:p>
-            <a:pPr lvl="0" rtl="0">
-              <a:spcBef>
-                <a:spcPts val="0"/>
-              </a:spcBef>
-              <a:buNone/>
-            </a:pPr>
-            <a:r>
-              <a:t/>
-            </a:r>
-            <a:endParaRPr/>
-          </a:p>
-          <a:p>
-            <a:pPr lvl="0" rtl="0">
-              <a:spcBef>
-                <a:spcPts val="0"/>
-              </a:spcBef>
-              <a:buNone/>
-            </a:pPr>
-            <a:r>
-              <a:t/>
-            </a:r>
-            <a:endParaRPr/>
-          </a:p>
-          <a:p>
-            <a:pPr lvl="0" rtl="0">
-              <a:spcBef>
-                <a:spcPts val="0"/>
-              </a:spcBef>
-              <a:buNone/>
-            </a:pPr>
-            <a:r>
-              <a:rPr lang="fr"/>
-              <a:t>Attention aux requêtes ne pouvant être mises en cache ! (NOW, CURRENT_DATE).</a:t>
-            </a:r>
-          </a:p>
-          <a:p>
-            <a:pPr lvl="0" rtl="0">
-              <a:spcBef>
-                <a:spcPts val="0"/>
-              </a:spcBef>
-              <a:buNone/>
-            </a:pPr>
-            <a:r>
-              <a:t/>
-            </a:r>
-            <a:endParaRPr/>
-          </a:p>
-          <a:p>
-            <a:pPr lvl="0" rtl="0">
-              <a:spcBef>
-                <a:spcPts val="0"/>
-              </a:spcBef>
-              <a:buNone/>
-            </a:pPr>
-            <a:r>
-              <a:t/>
-            </a:r>
-            <a:endParaRPr/>
-          </a:p>
-          <a:p>
-            <a:pPr lvl="0">
-              <a:spcBef>
-                <a:spcPts val="0"/>
-              </a:spcBef>
-              <a:buNone/>
-            </a:pPr>
-            <a:r>
-              <a:rPr lang="fr"/>
-              <a:t>Cache entièrement paramétrable</a:t>
-            </a:r>
-          </a:p>
-        </p:txBody>
-      </p:sp>
-    </p:spTree>
-  </p:cSld>
-  <p:clrMapOvr>
-    <a:masterClrMapping/>
-  </p:clrMapOvr>
-  <p:transition spd="slow">
-    <p:cut/>
-  </p:transition>
-</p:sld>
-</file>
-
-<file path=ppt/slides/slide37.xml><?xml version="1.0" encoding="utf-8"?>
-<p:sld xmlns:a="http://schemas.openxmlformats.org/drawingml/2006/main" xmlns:r="http://schemas.openxmlformats.org/officeDocument/2006/relationships" xmlns:mc="http://schemas.openxmlformats.org/markup-compatibility/2006" xmlns:mv="urn:schemas-microsoft-com:mac:vml" xmlns:p="http://schemas.openxmlformats.org/presentationml/2006/main" xmlns:c="http://schemas.openxmlformats.org/drawingml/2006/chart" xmlns:dgm="http://schemas.openxmlformats.org/drawingml/2006/diagram" xmlns:o="urn:schemas-microsoft-com:office:office" xmlns:v="urn:schemas-microsoft-com:vml" xmlns:pvml="urn:schemas-microsoft-com:office:powerpoint" xmlns:com="http://schemas.openxmlformats.org/drawingml/2006/compatibility" xmlns:p14="http://schemas.microsoft.com/office/powerpoint/2010/main">
-  <p:cSld>
-    <p:spTree>
-      <p:nvGrpSpPr>
-        <p:cNvPr id="264" name="Shape 264"/>
-        <p:cNvGrpSpPr/>
-        <p:nvPr/>
-      </p:nvGrpSpPr>
-      <p:grpSpPr>
-        <a:xfrm>
-          <a:off x="0" y="0"/>
-          <a:ext cx="0" cy="0"/>
-          <a:chOff x="0" y="0"/>
-          <a:chExt cx="0" cy="0"/>
-        </a:xfrm>
-      </p:grpSpPr>
-      <p:sp>
-        <p:nvSpPr>
-          <p:cNvPr id="265" name="Shape 265"/>
-          <p:cNvSpPr txBox="1"/>
-          <p:nvPr>
-            <p:ph type="title"/>
-          </p:nvPr>
-        </p:nvSpPr>
-        <p:spPr>
-          <a:xfrm>
-            <a:off x="457200" y="274637"/>
-            <a:ext cx="8229600" cy="1143299"/>
-          </a:xfrm>
-          <a:prstGeom prst="rect">
-            <a:avLst/>
-          </a:prstGeom>
-        </p:spPr>
-        <p:txBody>
-          <a:bodyPr anchorCtr="0" anchor="ctr" bIns="91425" lIns="91425" rIns="91425" tIns="91425">
-            <a:noAutofit/>
-          </a:bodyPr>
-          <a:lstStyle/>
-          <a:p>
-            <a:pPr lvl="0">
-              <a:spcBef>
-                <a:spcPts val="0"/>
-              </a:spcBef>
-              <a:buNone/>
-            </a:pPr>
-            <a:r>
-              <a:rPr lang="fr"/>
-              <a:t>Performances et requêtes</a:t>
-            </a:r>
-          </a:p>
-        </p:txBody>
-      </p:sp>
-      <p:sp>
-        <p:nvSpPr>
-          <p:cNvPr id="266" name="Shape 266"/>
-          <p:cNvSpPr txBox="1"/>
-          <p:nvPr>
-            <p:ph idx="1" type="body"/>
-          </p:nvPr>
-        </p:nvSpPr>
-        <p:spPr>
-          <a:xfrm>
-            <a:off x="457200" y="1600200"/>
-            <a:ext cx="8229600" cy="4967700"/>
-          </a:xfrm>
-          <a:prstGeom prst="rect">
-            <a:avLst/>
-          </a:prstGeom>
-        </p:spPr>
-        <p:txBody>
-          <a:bodyPr anchorCtr="0" anchor="t" bIns="91425" lIns="91425" rIns="91425" tIns="91425">
-            <a:noAutofit/>
-          </a:bodyPr>
-          <a:lstStyle/>
-          <a:p>
-            <a:pPr lvl="0" rtl="0">
-              <a:spcBef>
-                <a:spcPts val="0"/>
-              </a:spcBef>
-              <a:buNone/>
-            </a:pPr>
-            <a:r>
-              <a:rPr lang="fr"/>
-              <a:t>Lors de la réception d'une requête, si celle-ci commence par "SEL", on regarde le cache.</a:t>
-            </a:r>
-          </a:p>
-          <a:p>
-            <a:pPr lvl="0" rtl="0">
-              <a:spcBef>
-                <a:spcPts val="0"/>
-              </a:spcBef>
-              <a:buNone/>
-            </a:pPr>
-            <a:r>
-              <a:t/>
-            </a:r>
-            <a:endParaRPr/>
-          </a:p>
-          <a:p>
-            <a:pPr lvl="0" rtl="0">
-              <a:spcBef>
-                <a:spcPts val="0"/>
-              </a:spcBef>
-              <a:buNone/>
-            </a:pPr>
-            <a:r>
-              <a:t/>
-            </a:r>
-            <a:endParaRPr/>
-          </a:p>
-          <a:p>
-            <a:pPr lvl="0" rtl="0">
-              <a:spcBef>
-                <a:spcPts val="0"/>
-              </a:spcBef>
-              <a:buNone/>
-            </a:pPr>
-            <a:r>
-              <a:rPr lang="fr"/>
-              <a:t>Comment s'effectue la recherche dans le cache ?</a:t>
-            </a:r>
-          </a:p>
-          <a:p>
-            <a:pPr lvl="0" rtl="0">
-              <a:spcBef>
-                <a:spcPts val="0"/>
-              </a:spcBef>
-              <a:buNone/>
-            </a:pPr>
-            <a:r>
-              <a:t/>
-            </a:r>
-            <a:endParaRPr/>
-          </a:p>
-          <a:p>
-            <a:pPr lvl="0">
-              <a:spcBef>
-                <a:spcPts val="0"/>
-              </a:spcBef>
-              <a:buNone/>
-            </a:pPr>
-            <a:r>
-              <a:rPr lang="fr"/>
-              <a:t>Est-ce toujours pertinent d'utiliser le cache ?</a:t>
-            </a:r>
-          </a:p>
-        </p:txBody>
-      </p:sp>
-    </p:spTree>
-  </p:cSld>
-  <p:clrMapOvr>
-    <a:masterClrMapping/>
-  </p:clrMapOvr>
-  <p:transition spd="slow">
-    <p:cut/>
-  </p:transition>
-</p:sld>
-</file>
-
-<file path=ppt/slides/slide38.xml><?xml version="1.0" encoding="utf-8"?>
-<p:sld xmlns:a="http://schemas.openxmlformats.org/drawingml/2006/main" xmlns:r="http://schemas.openxmlformats.org/officeDocument/2006/relationships" xmlns:mc="http://schemas.openxmlformats.org/markup-compatibility/2006" xmlns:mv="urn:schemas-microsoft-com:mac:vml" xmlns:p="http://schemas.openxmlformats.org/presentationml/2006/main" xmlns:c="http://schemas.openxmlformats.org/drawingml/2006/chart" xmlns:dgm="http://schemas.openxmlformats.org/drawingml/2006/diagram" xmlns:o="urn:schemas-microsoft-com:office:office" xmlns:v="urn:schemas-microsoft-com:vml" xmlns:pvml="urn:schemas-microsoft-com:office:powerpoint" xmlns:com="http://schemas.openxmlformats.org/drawingml/2006/compatibility" xmlns:p14="http://schemas.microsoft.com/office/powerpoint/2010/main">
-  <p:cSld>
-    <p:spTree>
-      <p:nvGrpSpPr>
-        <p:cNvPr id="270" name="Shape 270"/>
-        <p:cNvGrpSpPr/>
-        <p:nvPr/>
-      </p:nvGrpSpPr>
-      <p:grpSpPr>
-        <a:xfrm>
-          <a:off x="0" y="0"/>
-          <a:ext cx="0" cy="0"/>
-          <a:chOff x="0" y="0"/>
-          <a:chExt cx="0" cy="0"/>
-        </a:xfrm>
-      </p:grpSpPr>
-      <p:sp>
-        <p:nvSpPr>
-          <p:cNvPr id="271" name="Shape 271"/>
-          <p:cNvSpPr txBox="1"/>
-          <p:nvPr>
-            <p:ph type="title"/>
-          </p:nvPr>
-        </p:nvSpPr>
-        <p:spPr>
-          <a:xfrm>
-            <a:off x="457200" y="274637"/>
-            <a:ext cx="8229600" cy="1143299"/>
-          </a:xfrm>
-          <a:prstGeom prst="rect">
-            <a:avLst/>
-          </a:prstGeom>
-        </p:spPr>
-        <p:txBody>
-          <a:bodyPr anchorCtr="0" anchor="ctr" bIns="91425" lIns="91425" rIns="91425" tIns="91425">
-            <a:noAutofit/>
-          </a:bodyPr>
-          <a:lstStyle/>
-          <a:p>
-            <a:pPr lvl="0">
-              <a:spcBef>
-                <a:spcPts val="0"/>
-              </a:spcBef>
-              <a:buNone/>
-            </a:pPr>
-            <a:r>
-              <a:rPr lang="fr"/>
-              <a:t>Performances et requêtes</a:t>
-            </a:r>
-          </a:p>
-        </p:txBody>
-      </p:sp>
-      <p:sp>
-        <p:nvSpPr>
-          <p:cNvPr id="272" name="Shape 272"/>
-          <p:cNvSpPr txBox="1"/>
-          <p:nvPr>
-            <p:ph idx="1" type="body"/>
-          </p:nvPr>
-        </p:nvSpPr>
-        <p:spPr>
-          <a:xfrm>
-            <a:off x="457200" y="1600200"/>
-            <a:ext cx="8229600" cy="4967700"/>
-          </a:xfrm>
-          <a:prstGeom prst="rect">
-            <a:avLst/>
-          </a:prstGeom>
-        </p:spPr>
-        <p:txBody>
-          <a:bodyPr anchorCtr="0" anchor="t" bIns="91425" lIns="91425" rIns="91425" tIns="91425">
-            <a:noAutofit/>
-          </a:bodyPr>
-          <a:lstStyle/>
-          <a:p>
-            <a:pPr lvl="0" rtl="0">
-              <a:spcBef>
-                <a:spcPts val="0"/>
-              </a:spcBef>
-              <a:buNone/>
-            </a:pPr>
-            <a:r>
-              <a:rPr lang="fr"/>
-              <a:t>SQL_CACHE / SQL_NO_CACHE : Force la requête à être mise en cache, ou non.</a:t>
-            </a:r>
-          </a:p>
-          <a:p>
-            <a:pPr lvl="0" rtl="0">
-              <a:spcBef>
-                <a:spcPts val="0"/>
-              </a:spcBef>
-              <a:buNone/>
-            </a:pPr>
-            <a:r>
-              <a:t/>
-            </a:r>
-            <a:endParaRPr/>
-          </a:p>
-          <a:p>
-            <a:pPr lvl="0" rtl="0">
-              <a:spcBef>
-                <a:spcPts val="0"/>
-              </a:spcBef>
-              <a:buNone/>
-            </a:pPr>
-            <a:r>
-              <a:rPr lang="fr"/>
-              <a:t>EXPLAIN : Renvoie les informations sur le plan d'exécution</a:t>
-            </a:r>
-          </a:p>
-          <a:p>
-            <a:pPr lvl="0" rtl="0">
-              <a:spcBef>
-                <a:spcPts val="0"/>
-              </a:spcBef>
-              <a:buNone/>
-            </a:pPr>
-            <a:r>
-              <a:t/>
-            </a:r>
-            <a:endParaRPr/>
-          </a:p>
-          <a:p>
-            <a:pPr lvl="0">
-              <a:spcBef>
-                <a:spcPts val="0"/>
-              </a:spcBef>
-              <a:buNone/>
-            </a:pPr>
-            <a:r>
-              <a:rPr lang="fr"/>
-              <a:t>DESCRIBE : Décrit une table d'une base de données</a:t>
-            </a:r>
-          </a:p>
-        </p:txBody>
-      </p:sp>
-    </p:spTree>
-  </p:cSld>
-  <p:clrMapOvr>
-    <a:masterClrMapping/>
-  </p:clrMapOvr>
-  <p:transition spd="slow">
-    <p:cut/>
-  </p:transition>
-</p:sld>
-</file>
-
-<file path=ppt/slides/slide39.xml><?xml version="1.0" encoding="utf-8"?>
-<p:sld xmlns:a="http://schemas.openxmlformats.org/drawingml/2006/main" xmlns:r="http://schemas.openxmlformats.org/officeDocument/2006/relationships" xmlns:mc="http://schemas.openxmlformats.org/markup-compatibility/2006" xmlns:mv="urn:schemas-microsoft-com:mac:vml" xmlns:p="http://schemas.openxmlformats.org/presentationml/2006/main" xmlns:c="http://schemas.openxmlformats.org/drawingml/2006/chart" xmlns:dgm="http://schemas.openxmlformats.org/drawingml/2006/diagram" xmlns:o="urn:schemas-microsoft-com:office:office" xmlns:v="urn:schemas-microsoft-com:vml" xmlns:pvml="urn:schemas-microsoft-com:office:powerpoint" xmlns:com="http://schemas.openxmlformats.org/drawingml/2006/compatibility" xmlns:p14="http://schemas.microsoft.com/office/powerpoint/2010/main">
-  <p:cSld>
-    <p:spTree>
-      <p:nvGrpSpPr>
-        <p:cNvPr id="276" name="Shape 276"/>
-        <p:cNvGrpSpPr/>
-        <p:nvPr/>
-      </p:nvGrpSpPr>
-      <p:grpSpPr>
-        <a:xfrm>
-          <a:off x="0" y="0"/>
-          <a:ext cx="0" cy="0"/>
-          <a:chOff x="0" y="0"/>
-          <a:chExt cx="0" cy="0"/>
-        </a:xfrm>
-      </p:grpSpPr>
-      <p:sp>
-        <p:nvSpPr>
-          <p:cNvPr id="277" name="Shape 277"/>
-          <p:cNvSpPr txBox="1"/>
-          <p:nvPr>
-            <p:ph type="title"/>
-          </p:nvPr>
-        </p:nvSpPr>
-        <p:spPr>
-          <a:xfrm>
-            <a:off x="457200" y="274637"/>
-            <a:ext cx="8229600" cy="1143299"/>
-          </a:xfrm>
-          <a:prstGeom prst="rect">
-            <a:avLst/>
-          </a:prstGeom>
-        </p:spPr>
-        <p:txBody>
-          <a:bodyPr anchorCtr="0" anchor="ctr" bIns="91425" lIns="91425" rIns="91425" tIns="91425">
-            <a:noAutofit/>
-          </a:bodyPr>
-          <a:lstStyle/>
-          <a:p>
-            <a:pPr lvl="0">
-              <a:spcBef>
-                <a:spcPts val="0"/>
-              </a:spcBef>
-              <a:buNone/>
-            </a:pPr>
-            <a:r>
-              <a:rPr lang="fr"/>
-              <a:t>Conclusion</a:t>
-            </a:r>
-          </a:p>
-        </p:txBody>
-      </p:sp>
-      <p:sp>
-        <p:nvSpPr>
-          <p:cNvPr id="278" name="Shape 278"/>
-          <p:cNvSpPr txBox="1"/>
-          <p:nvPr>
-            <p:ph idx="1" type="body"/>
-          </p:nvPr>
-        </p:nvSpPr>
-        <p:spPr>
-          <a:xfrm>
-            <a:off x="457200" y="1600200"/>
-            <a:ext cx="8229600" cy="4967700"/>
-          </a:xfrm>
-          <a:prstGeom prst="rect">
-            <a:avLst/>
-          </a:prstGeom>
-        </p:spPr>
-        <p:txBody>
-          <a:bodyPr anchorCtr="0" anchor="t" bIns="91425" lIns="91425" rIns="91425" tIns="91425">
-            <a:noAutofit/>
-          </a:bodyPr>
-          <a:lstStyle/>
-          <a:p>
-            <a:pPr lvl="0" rtl="0">
-              <a:spcBef>
-                <a:spcPts val="0"/>
-              </a:spcBef>
-              <a:buNone/>
-            </a:pPr>
-            <a:r>
-              <a:rPr lang="fr"/>
-              <a:t>L'optimisation d'une application commence par son SGBD !</a:t>
-            </a:r>
-          </a:p>
-          <a:p>
-            <a:pPr lvl="0" rtl="0">
-              <a:spcBef>
-                <a:spcPts val="0"/>
-              </a:spcBef>
-              <a:buNone/>
-            </a:pPr>
-            <a:r>
-              <a:t/>
-            </a:r>
-            <a:endParaRPr/>
-          </a:p>
-          <a:p>
-            <a:pPr lvl="0" rtl="0">
-              <a:spcBef>
-                <a:spcPts val="0"/>
-              </a:spcBef>
-              <a:buNone/>
-            </a:pPr>
-            <a:r>
-              <a:rPr lang="fr"/>
-              <a:t>MySQL est un produit complet et souple grâce à ses moteurs de stockage.</a:t>
-            </a:r>
-          </a:p>
-          <a:p>
-            <a:pPr lvl="0" rtl="0">
-              <a:spcBef>
-                <a:spcPts val="0"/>
-              </a:spcBef>
-              <a:buNone/>
-            </a:pPr>
-            <a:r>
-              <a:t/>
-            </a:r>
-            <a:endParaRPr/>
-          </a:p>
-          <a:p>
-            <a:pPr lvl="0" rtl="0">
-              <a:spcBef>
-                <a:spcPts val="0"/>
-              </a:spcBef>
-              <a:buNone/>
-            </a:pPr>
-            <a:r>
-              <a:rPr lang="fr"/>
-              <a:t>Utilisé par les grands du Web (Twitter, Facebook, ...)</a:t>
-            </a:r>
-          </a:p>
-        </p:txBody>
-      </p:sp>
-    </p:spTree>
-  </p:cSld>
-  <p:clrMapOvr>
-    <a:masterClrMapping/>
-  </p:clrMapOvr>
-  <p:transition spd="slow">
-    <p:cut/>
-  </p:transition>
 </p:sld>
 </file>
 
@@ -12174,9 +11036,6 @@
   <p:clrMapOvr>
     <a:masterClrMapping/>
   </p:clrMapOvr>
-  <p:transition spd="slow">
-    <p:cut/>
-  </p:transition>
 </p:sld>
 </file>
 
@@ -12378,9 +11237,6 @@
   <p:clrMapOvr>
     <a:masterClrMapping/>
   </p:clrMapOvr>
-  <p:transition spd="slow">
-    <p:cut/>
-  </p:transition>
 </p:sld>
 </file>
 
@@ -12534,9 +11390,6 @@
   <p:clrMapOvr>
     <a:masterClrMapping/>
   </p:clrMapOvr>
-  <p:transition spd="slow">
-    <p:cut/>
-  </p:transition>
 </p:sld>
 </file>
 
@@ -12730,9 +11583,6 @@
   <p:clrMapOvr>
     <a:masterClrMapping/>
   </p:clrMapOvr>
-  <p:transition spd="slow">
-    <p:cut/>
-  </p:transition>
 </p:sld>
 </file>
 
@@ -12786,9 +11636,6 @@
   <p:clrMapOvr>
     <a:masterClrMapping/>
   </p:clrMapOvr>
-  <p:transition spd="slow">
-    <p:cut/>
-  </p:transition>
 </p:sld>
 </file>
 
@@ -12886,9 +11733,6 @@
   <p:clrMapOvr>
     <a:masterClrMapping/>
   </p:clrMapOvr>
-  <p:transition spd="slow">
-    <p:cut/>
-  </p:transition>
 </p:sld>
 </file>
 
